--- a/軟工期中v2.pptx
+++ b/軟工期中v2.pptx
@@ -7,13 +7,15 @@
   <p:sldIdLst>
     <p:sldId id="256" r:id="rId2"/>
     <p:sldId id="261" r:id="rId3"/>
-    <p:sldId id="263" r:id="rId4"/>
-    <p:sldId id="259" r:id="rId5"/>
-    <p:sldId id="264" r:id="rId6"/>
-    <p:sldId id="258" r:id="rId7"/>
-    <p:sldId id="257" r:id="rId8"/>
-    <p:sldId id="260" r:id="rId9"/>
-    <p:sldId id="262" r:id="rId10"/>
+    <p:sldId id="265" r:id="rId4"/>
+    <p:sldId id="266" r:id="rId5"/>
+    <p:sldId id="263" r:id="rId6"/>
+    <p:sldId id="267" r:id="rId7"/>
+    <p:sldId id="268" r:id="rId8"/>
+    <p:sldId id="258" r:id="rId9"/>
+    <p:sldId id="257" r:id="rId10"/>
+    <p:sldId id="260" r:id="rId11"/>
+    <p:sldId id="262" r:id="rId12"/>
   </p:sldIdLst>
   <p:sldSz cx="12192000" cy="6858000"/>
   <p:notesSz cx="6858000" cy="9144000"/>
@@ -842,7 +844,7 @@
           <a:p>
             <a:fld id="{48A87A34-81AB-432B-8DAE-1953F412C126}" type="datetimeFigureOut">
               <a:rPr lang="en-US" smtClean="0"/>
-              <a:t>11/6/2018</a:t>
+              <a:t>11/7/2018</a:t>
             </a:fld>
             <a:endParaRPr lang="en-US" dirty="0"/>
           </a:p>
@@ -1094,7 +1096,7 @@
             <a:fld id="{48A87A34-81AB-432B-8DAE-1953F412C126}" type="datetimeFigureOut">
               <a:rPr lang="en-US" smtClean="0"/>
               <a:pPr/>
-              <a:t>11/6/2018</a:t>
+              <a:t>11/7/2018</a:t>
             </a:fld>
             <a:endParaRPr lang="en-US" dirty="0"/>
           </a:p>
@@ -1410,7 +1412,7 @@
             <a:fld id="{48A87A34-81AB-432B-8DAE-1953F412C126}" type="datetimeFigureOut">
               <a:rPr lang="en-US" smtClean="0"/>
               <a:pPr/>
-              <a:t>11/6/2018</a:t>
+              <a:t>11/7/2018</a:t>
             </a:fld>
             <a:endParaRPr lang="en-US" dirty="0"/>
           </a:p>
@@ -1753,7 +1755,7 @@
             <a:fld id="{48A87A34-81AB-432B-8DAE-1953F412C126}" type="datetimeFigureOut">
               <a:rPr lang="en-US" smtClean="0"/>
               <a:pPr/>
-              <a:t>11/6/2018</a:t>
+              <a:t>11/7/2018</a:t>
             </a:fld>
             <a:endParaRPr lang="en-US" dirty="0"/>
           </a:p>
@@ -2069,7 +2071,7 @@
             <a:fld id="{48A87A34-81AB-432B-8DAE-1953F412C126}" type="datetimeFigureOut">
               <a:rPr lang="en-US" smtClean="0"/>
               <a:pPr/>
-              <a:t>11/6/2018</a:t>
+              <a:t>11/7/2018</a:t>
             </a:fld>
             <a:endParaRPr lang="en-US" dirty="0"/>
           </a:p>
@@ -2464,7 +2466,7 @@
             <a:fld id="{48A87A34-81AB-432B-8DAE-1953F412C126}" type="datetimeFigureOut">
               <a:rPr lang="en-US" smtClean="0"/>
               <a:pPr/>
-              <a:t>11/6/2018</a:t>
+              <a:t>11/7/2018</a:t>
             </a:fld>
             <a:endParaRPr lang="en-US" dirty="0"/>
           </a:p>
@@ -2635,7 +2637,7 @@
           <a:p>
             <a:fld id="{48A87A34-81AB-432B-8DAE-1953F412C126}" type="datetimeFigureOut">
               <a:rPr lang="en-US" smtClean="0"/>
-              <a:t>11/6/2018</a:t>
+              <a:t>11/7/2018</a:t>
             </a:fld>
             <a:endParaRPr lang="en-US" dirty="0"/>
           </a:p>
@@ -2815,7 +2817,7 @@
           <a:p>
             <a:fld id="{48A87A34-81AB-432B-8DAE-1953F412C126}" type="datetimeFigureOut">
               <a:rPr lang="en-US" smtClean="0"/>
-              <a:t>11/6/2018</a:t>
+              <a:t>11/7/2018</a:t>
             </a:fld>
             <a:endParaRPr lang="en-US" dirty="0"/>
           </a:p>
@@ -2991,7 +2993,7 @@
           <a:p>
             <a:fld id="{48A87A34-81AB-432B-8DAE-1953F412C126}" type="datetimeFigureOut">
               <a:rPr lang="en-US" smtClean="0"/>
-              <a:t>11/6/2018</a:t>
+              <a:t>11/7/2018</a:t>
             </a:fld>
             <a:endParaRPr lang="en-US" dirty="0"/>
           </a:p>
@@ -3238,7 +3240,7 @@
           <a:p>
             <a:fld id="{48A87A34-81AB-432B-8DAE-1953F412C126}" type="datetimeFigureOut">
               <a:rPr lang="en-US" smtClean="0"/>
-              <a:t>11/6/2018</a:t>
+              <a:t>11/7/2018</a:t>
             </a:fld>
             <a:endParaRPr lang="en-US" dirty="0"/>
           </a:p>
@@ -3470,7 +3472,7 @@
           <a:p>
             <a:fld id="{48A87A34-81AB-432B-8DAE-1953F412C126}" type="datetimeFigureOut">
               <a:rPr lang="en-US" smtClean="0"/>
-              <a:t>11/6/2018</a:t>
+              <a:t>11/7/2018</a:t>
             </a:fld>
             <a:endParaRPr lang="en-US" dirty="0"/>
           </a:p>
@@ -3844,7 +3846,7 @@
           <a:p>
             <a:fld id="{48A87A34-81AB-432B-8DAE-1953F412C126}" type="datetimeFigureOut">
               <a:rPr lang="en-US" smtClean="0"/>
-              <a:t>11/6/2018</a:t>
+              <a:t>11/7/2018</a:t>
             </a:fld>
             <a:endParaRPr lang="en-US" dirty="0"/>
           </a:p>
@@ -3967,7 +3969,7 @@
           <a:p>
             <a:fld id="{48A87A34-81AB-432B-8DAE-1953F412C126}" type="datetimeFigureOut">
               <a:rPr lang="en-US" smtClean="0"/>
-              <a:t>11/6/2018</a:t>
+              <a:t>11/7/2018</a:t>
             </a:fld>
             <a:endParaRPr lang="en-US" dirty="0"/>
           </a:p>
@@ -4062,7 +4064,7 @@
           <a:p>
             <a:fld id="{48A87A34-81AB-432B-8DAE-1953F412C126}" type="datetimeFigureOut">
               <a:rPr lang="en-US" smtClean="0"/>
-              <a:t>11/6/2018</a:t>
+              <a:t>11/7/2018</a:t>
             </a:fld>
             <a:endParaRPr lang="en-US" dirty="0"/>
           </a:p>
@@ -4317,7 +4319,7 @@
           <a:p>
             <a:fld id="{48A87A34-81AB-432B-8DAE-1953F412C126}" type="datetimeFigureOut">
               <a:rPr lang="en-US" smtClean="0"/>
-              <a:t>11/6/2018</a:t>
+              <a:t>11/7/2018</a:t>
             </a:fld>
             <a:endParaRPr lang="en-US" dirty="0"/>
           </a:p>
@@ -4581,7 +4583,7 @@
             <a:fld id="{48A87A34-81AB-432B-8DAE-1953F412C126}" type="datetimeFigureOut">
               <a:rPr lang="en-US" smtClean="0"/>
               <a:pPr/>
-              <a:t>11/6/2018</a:t>
+              <a:t>11/7/2018</a:t>
             </a:fld>
             <a:endParaRPr lang="en-US" dirty="0"/>
           </a:p>
@@ -5325,7 +5327,7 @@
             <a:fld id="{48A87A34-81AB-432B-8DAE-1953F412C126}" type="datetimeFigureOut">
               <a:rPr lang="en-US" smtClean="0"/>
               <a:pPr/>
-              <a:t>11/6/2018</a:t>
+              <a:t>11/7/2018</a:t>
             </a:fld>
             <a:endParaRPr lang="en-US" dirty="0"/>
           </a:p>
@@ -5884,8 +5886,13 @@
             <a:pPr algn="ctr"/>
             <a:r>
               <a:rPr lang="zh-TW" altLang="en-US" dirty="0"/>
-              <a:t>軟體工程期中報告</a:t>
-            </a:r>
+              <a:t>校園導航</a:t>
+            </a:r>
+            <a:r>
+              <a:rPr lang="en-US" altLang="zh-TW" dirty="0"/>
+              <a:t>APP</a:t>
+            </a:r>
+            <a:endParaRPr lang="zh-TW" altLang="en-US" dirty="0"/>
           </a:p>
         </p:txBody>
       </p:sp>
@@ -5993,7 +6000,7 @@
                   </a:schemeClr>
                 </a:solidFill>
               </a:rPr>
-              <a:t>林婉盈</a:t>
+              <a:t>林琬盈</a:t>
             </a:r>
             <a:endParaRPr lang="en-US" altLang="zh-TW" b="1" dirty="0">
               <a:solidFill>
@@ -6046,6 +6053,241 @@
     <p:extLst>
       <p:ext uri="{BB962C8B-B14F-4D97-AF65-F5344CB8AC3E}">
         <p14:creationId xmlns:p14="http://schemas.microsoft.com/office/powerpoint/2010/main" val="2944824736"/>
+      </p:ext>
+    </p:extLst>
+  </p:cSld>
+  <p:clrMapOvr>
+    <a:masterClrMapping/>
+  </p:clrMapOvr>
+</p:sld>
+</file>
+
+<file path=ppt/slides/slide10.xml><?xml version="1.0" encoding="utf-8"?>
+<p:sld xmlns:a="http://schemas.openxmlformats.org/drawingml/2006/main" xmlns:r="http://schemas.openxmlformats.org/officeDocument/2006/relationships" xmlns:p="http://schemas.openxmlformats.org/presentationml/2006/main">
+  <p:cSld>
+    <p:spTree>
+      <p:nvGrpSpPr>
+        <p:cNvPr id="1" name=""/>
+        <p:cNvGrpSpPr/>
+        <p:nvPr/>
+      </p:nvGrpSpPr>
+      <p:grpSpPr>
+        <a:xfrm>
+          <a:off x="0" y="0"/>
+          <a:ext cx="0" cy="0"/>
+          <a:chOff x="0" y="0"/>
+          <a:chExt cx="0" cy="0"/>
+        </a:xfrm>
+      </p:grpSpPr>
+      <p:sp>
+        <p:nvSpPr>
+          <p:cNvPr id="2" name="標題 1">
+            <a:extLst>
+              <a:ext uri="{FF2B5EF4-FFF2-40B4-BE49-F238E27FC236}">
+                <a16:creationId xmlns:a16="http://schemas.microsoft.com/office/drawing/2014/main" id="{96EBC39E-A159-4CA2-AC66-28424709B672}"/>
+              </a:ext>
+            </a:extLst>
+          </p:cNvPr>
+          <p:cNvSpPr>
+            <a:spLocks noGrp="1"/>
+          </p:cNvSpPr>
+          <p:nvPr>
+            <p:ph type="title"/>
+          </p:nvPr>
+        </p:nvSpPr>
+        <p:spPr/>
+        <p:txBody>
+          <a:bodyPr/>
+          <a:lstStyle/>
+          <a:p>
+            <a:r>
+              <a:rPr lang="zh-TW" altLang="en-US" dirty="0"/>
+              <a:t>               </a:t>
+            </a:r>
+            <a:r>
+              <a:rPr lang="en-US" altLang="zh-TW" dirty="0"/>
+              <a:t>Resource Required</a:t>
+            </a:r>
+            <a:endParaRPr lang="zh-TW" altLang="en-US" dirty="0"/>
+          </a:p>
+        </p:txBody>
+      </p:sp>
+      <p:sp>
+        <p:nvSpPr>
+          <p:cNvPr id="3" name="內容版面配置區 2">
+            <a:extLst>
+              <a:ext uri="{FF2B5EF4-FFF2-40B4-BE49-F238E27FC236}">
+                <a16:creationId xmlns:a16="http://schemas.microsoft.com/office/drawing/2014/main" id="{40DC44A0-361A-4F24-9EFD-E06FC621358E}"/>
+              </a:ext>
+            </a:extLst>
+          </p:cNvPr>
+          <p:cNvSpPr>
+            <a:spLocks noGrp="1"/>
+          </p:cNvSpPr>
+          <p:nvPr>
+            <p:ph idx="1"/>
+          </p:nvPr>
+        </p:nvSpPr>
+        <p:spPr/>
+        <p:txBody>
+          <a:bodyPr>
+            <a:normAutofit/>
+          </a:bodyPr>
+          <a:lstStyle/>
+          <a:p>
+            <a:r>
+              <a:rPr lang="zh-TW" altLang="en-US" sz="2800" b="1" dirty="0">
+                <a:latin typeface="+mj-ea"/>
+                <a:ea typeface="+mj-ea"/>
+              </a:rPr>
+              <a:t>工具</a:t>
+            </a:r>
+            <a:endParaRPr lang="en-US" altLang="zh-TW" sz="2800" b="1" dirty="0">
+              <a:latin typeface="+mj-ea"/>
+              <a:ea typeface="+mj-ea"/>
+            </a:endParaRPr>
+          </a:p>
+          <a:p>
+            <a:pPr marL="400050" lvl="1" indent="0">
+              <a:buNone/>
+            </a:pPr>
+            <a:r>
+              <a:rPr lang="en-US" altLang="zh-TW" sz="2600" b="1" dirty="0">
+                <a:latin typeface="+mj-ea"/>
+                <a:ea typeface="+mj-ea"/>
+              </a:rPr>
+              <a:t>Swift, MySQL</a:t>
+            </a:r>
+          </a:p>
+          <a:p>
+            <a:r>
+              <a:rPr lang="zh-TW" altLang="en-US" sz="2800" b="1" dirty="0">
+                <a:latin typeface="+mj-ea"/>
+                <a:ea typeface="+mj-ea"/>
+              </a:rPr>
+              <a:t>人員分配</a:t>
+            </a:r>
+            <a:endParaRPr lang="en-US" altLang="zh-TW" sz="2800" b="1" dirty="0">
+              <a:latin typeface="+mj-ea"/>
+              <a:ea typeface="+mj-ea"/>
+            </a:endParaRPr>
+          </a:p>
+          <a:p>
+            <a:pPr marL="400050" lvl="1" indent="0">
+              <a:buNone/>
+            </a:pPr>
+            <a:r>
+              <a:rPr lang="zh-TW" altLang="en-US" sz="2600" b="1" dirty="0">
+                <a:latin typeface="+mj-ea"/>
+                <a:ea typeface="+mj-ea"/>
+              </a:rPr>
+              <a:t>功能規劃、計畫構想、</a:t>
+            </a:r>
+            <a:r>
+              <a:rPr lang="en-US" altLang="zh-TW" sz="2600" b="1" dirty="0">
+                <a:latin typeface="+mj-ea"/>
+                <a:ea typeface="+mj-ea"/>
+              </a:rPr>
+              <a:t>UI</a:t>
+            </a:r>
+            <a:r>
+              <a:rPr lang="zh-TW" altLang="en-US" sz="2600" b="1" dirty="0">
+                <a:latin typeface="+mj-ea"/>
+                <a:ea typeface="+mj-ea"/>
+              </a:rPr>
+              <a:t>設計</a:t>
+            </a:r>
+            <a:endParaRPr lang="en-US" altLang="zh-TW" sz="2600" b="1" dirty="0">
+              <a:latin typeface="+mj-ea"/>
+              <a:ea typeface="+mj-ea"/>
+            </a:endParaRPr>
+          </a:p>
+        </p:txBody>
+      </p:sp>
+    </p:spTree>
+    <p:extLst>
+      <p:ext uri="{BB962C8B-B14F-4D97-AF65-F5344CB8AC3E}">
+        <p14:creationId xmlns:p14="http://schemas.microsoft.com/office/powerpoint/2010/main" val="2485991531"/>
+      </p:ext>
+    </p:extLst>
+  </p:cSld>
+  <p:clrMapOvr>
+    <a:masterClrMapping/>
+  </p:clrMapOvr>
+</p:sld>
+</file>
+
+<file path=ppt/slides/slide11.xml><?xml version="1.0" encoding="utf-8"?>
+<p:sld xmlns:a="http://schemas.openxmlformats.org/drawingml/2006/main" xmlns:r="http://schemas.openxmlformats.org/officeDocument/2006/relationships" xmlns:p="http://schemas.openxmlformats.org/presentationml/2006/main">
+  <p:cSld>
+    <p:spTree>
+      <p:nvGrpSpPr>
+        <p:cNvPr id="1" name=""/>
+        <p:cNvGrpSpPr/>
+        <p:nvPr/>
+      </p:nvGrpSpPr>
+      <p:grpSpPr>
+        <a:xfrm>
+          <a:off x="0" y="0"/>
+          <a:ext cx="0" cy="0"/>
+          <a:chOff x="0" y="0"/>
+          <a:chExt cx="0" cy="0"/>
+        </a:xfrm>
+      </p:grpSpPr>
+      <p:sp>
+        <p:nvSpPr>
+          <p:cNvPr id="2" name="標題 1">
+            <a:extLst>
+              <a:ext uri="{FF2B5EF4-FFF2-40B4-BE49-F238E27FC236}">
+                <a16:creationId xmlns:a16="http://schemas.microsoft.com/office/drawing/2014/main" id="{864D5A15-5EE1-40BC-B33C-FD294AD82ABE}"/>
+              </a:ext>
+            </a:extLst>
+          </p:cNvPr>
+          <p:cNvSpPr>
+            <a:spLocks noGrp="1"/>
+          </p:cNvSpPr>
+          <p:nvPr>
+            <p:ph type="title"/>
+          </p:nvPr>
+        </p:nvSpPr>
+        <p:spPr/>
+        <p:txBody>
+          <a:bodyPr/>
+          <a:lstStyle/>
+          <a:p>
+            <a:endParaRPr lang="zh-TW" altLang="en-US" dirty="0"/>
+          </a:p>
+        </p:txBody>
+      </p:sp>
+      <p:sp>
+        <p:nvSpPr>
+          <p:cNvPr id="3" name="內容版面配置區 2">
+            <a:extLst>
+              <a:ext uri="{FF2B5EF4-FFF2-40B4-BE49-F238E27FC236}">
+                <a16:creationId xmlns:a16="http://schemas.microsoft.com/office/drawing/2014/main" id="{B02CE70D-CD6B-4A9C-84E2-E4DB0412A3CC}"/>
+              </a:ext>
+            </a:extLst>
+          </p:cNvPr>
+          <p:cNvSpPr>
+            <a:spLocks noGrp="1"/>
+          </p:cNvSpPr>
+          <p:nvPr>
+            <p:ph idx="1"/>
+          </p:nvPr>
+        </p:nvSpPr>
+        <p:spPr/>
+        <p:txBody>
+          <a:bodyPr/>
+          <a:lstStyle/>
+          <a:p>
+            <a:endParaRPr lang="zh-TW" altLang="en-US"/>
+          </a:p>
+        </p:txBody>
+      </p:sp>
+    </p:spTree>
+    <p:extLst>
+      <p:ext uri="{BB962C8B-B14F-4D97-AF65-F5344CB8AC3E}">
+        <p14:creationId xmlns:p14="http://schemas.microsoft.com/office/powerpoint/2010/main" val="1744987218"/>
       </p:ext>
     </p:extLst>
   </p:cSld>
@@ -6100,7 +6342,7 @@
           <a:p>
             <a:r>
               <a:rPr lang="zh-TW" altLang="en-US" dirty="0"/>
-              <a:t>簡介</a:t>
+              <a:t>背景</a:t>
             </a:r>
           </a:p>
         </p:txBody>
@@ -6129,218 +6371,28 @@
           <a:lstStyle/>
           <a:p>
             <a:r>
-              <a:rPr lang="zh-TW" altLang="en-US" b="1" dirty="0">
+              <a:rPr lang="zh-TW" altLang="en-US" sz="2400" b="1" dirty="0">
                 <a:latin typeface="+mn-ea"/>
               </a:rPr>
-              <a:t>背景</a:t>
-            </a:r>
-            <a:r>
-              <a:rPr lang="en-US" altLang="zh-TW" b="1" dirty="0">
+              <a:t>我們希望能解決容易造成生活不便的問題。</a:t>
+            </a:r>
+            <a:endParaRPr lang="en-US" altLang="zh-TW" sz="2400" b="1" dirty="0">
+              <a:latin typeface="+mn-ea"/>
+            </a:endParaRPr>
+          </a:p>
+          <a:p>
+            <a:r>
+              <a:rPr lang="zh-TW" altLang="en-US" sz="2400" b="1" dirty="0">
                 <a:latin typeface="+mn-ea"/>
               </a:rPr>
-              <a:t>:</a:t>
-            </a:r>
-          </a:p>
-          <a:p>
-            <a:endParaRPr lang="en-US" altLang="zh-TW" b="1" dirty="0">
+              <a:t>從每天最常接觸的 學校開始尋找</a:t>
+            </a:r>
+            <a:endParaRPr lang="en-US" altLang="zh-TW" sz="2400" b="1" dirty="0">
               <a:latin typeface="+mn-ea"/>
             </a:endParaRPr>
           </a:p>
           <a:p>
-            <a:r>
-              <a:rPr lang="zh-TW" altLang="zh-TW" b="1" dirty="0">
-                <a:latin typeface="+mn-ea"/>
-              </a:rPr>
-              <a:t>動機說明</a:t>
-            </a:r>
-            <a:r>
-              <a:rPr lang="en-US" altLang="zh-TW" b="1" dirty="0">
-                <a:latin typeface="+mn-ea"/>
-              </a:rPr>
-              <a:t>:</a:t>
-            </a:r>
-            <a:r>
-              <a:rPr lang="zh-TW" altLang="zh-TW" dirty="0">
-                <a:latin typeface="+mn-ea"/>
-              </a:rPr>
-              <a:t>剛到一個新環境時，我們總會花一段時間熟悉方向和標的物，對於</a:t>
-            </a:r>
-            <a:endParaRPr lang="en-US" altLang="zh-TW" dirty="0">
-              <a:latin typeface="+mn-ea"/>
-            </a:endParaRPr>
-          </a:p>
-          <a:p>
-            <a:pPr marL="0" indent="0">
-              <a:buNone/>
-            </a:pPr>
-            <a:r>
-              <a:rPr lang="en-US" altLang="zh-TW" dirty="0">
-                <a:latin typeface="+mn-ea"/>
-              </a:rPr>
-              <a:t>                       </a:t>
-            </a:r>
-            <a:r>
-              <a:rPr lang="zh-TW" altLang="zh-TW" dirty="0">
-                <a:latin typeface="+mn-ea"/>
-              </a:rPr>
-              <a:t>某些人來說，認路的過程很快，但是對於另一部份的人來說，認路是</a:t>
-            </a:r>
-            <a:endParaRPr lang="en-US" altLang="zh-TW" dirty="0">
-              <a:latin typeface="+mn-ea"/>
-            </a:endParaRPr>
-          </a:p>
-          <a:p>
-            <a:pPr marL="0" indent="0">
-              <a:buNone/>
-            </a:pPr>
-            <a:r>
-              <a:rPr lang="zh-TW" altLang="en-US" dirty="0">
-                <a:latin typeface="+mn-ea"/>
-              </a:rPr>
-              <a:t>                       </a:t>
-            </a:r>
-            <a:r>
-              <a:rPr lang="zh-TW" altLang="zh-TW" dirty="0">
-                <a:latin typeface="+mn-ea"/>
-              </a:rPr>
-              <a:t>一</a:t>
-            </a:r>
-            <a:r>
-              <a:rPr lang="zh-TW" altLang="en-US" dirty="0">
-                <a:latin typeface="+mn-ea"/>
-              </a:rPr>
-              <a:t>件緩</a:t>
-            </a:r>
-            <a:r>
-              <a:rPr lang="zh-TW" altLang="zh-TW" dirty="0">
-                <a:latin typeface="+mn-ea"/>
-              </a:rPr>
-              <a:t>慢而痛苦的學習過程。</a:t>
-            </a:r>
-            <a:endParaRPr lang="en-US" altLang="zh-TW" dirty="0">
-              <a:latin typeface="+mn-ea"/>
-            </a:endParaRPr>
-          </a:p>
-          <a:p>
-            <a:r>
-              <a:rPr lang="zh-TW" altLang="en-US" b="1" dirty="0">
-                <a:latin typeface="+mn-ea"/>
-              </a:rPr>
-              <a:t>目的</a:t>
-            </a:r>
-            <a:r>
-              <a:rPr lang="en-US" altLang="zh-TW" b="1" dirty="0">
-                <a:latin typeface="+mn-ea"/>
-              </a:rPr>
-              <a:t>:</a:t>
-            </a:r>
-            <a:r>
-              <a:rPr lang="zh-TW" altLang="en-US" dirty="0">
-                <a:latin typeface="+mn-ea"/>
-              </a:rPr>
-              <a:t>為了</a:t>
-            </a:r>
-            <a:r>
-              <a:rPr lang="zh-TW" altLang="zh-TW" dirty="0">
-                <a:latin typeface="+mn-ea"/>
-              </a:rPr>
-              <a:t>讓對校園不熟悉的人</a:t>
-            </a:r>
-            <a:r>
-              <a:rPr lang="en-US" altLang="zh-TW" dirty="0">
-                <a:latin typeface="+mn-ea"/>
-              </a:rPr>
-              <a:t>(</a:t>
-            </a:r>
-            <a:r>
-              <a:rPr lang="zh-TW" altLang="en-US" dirty="0">
-                <a:latin typeface="+mn-ea"/>
-              </a:rPr>
-              <a:t>如</a:t>
-            </a:r>
-            <a:r>
-              <a:rPr lang="en-US" altLang="zh-TW" dirty="0">
-                <a:latin typeface="+mn-ea"/>
-              </a:rPr>
-              <a:t>:</a:t>
-            </a:r>
-            <a:r>
-              <a:rPr lang="zh-TW" altLang="en-US" dirty="0">
-                <a:latin typeface="+mn-ea"/>
-              </a:rPr>
-              <a:t>考生、校外人士</a:t>
-            </a:r>
-            <a:r>
-              <a:rPr lang="en-US" altLang="zh-TW" dirty="0">
-                <a:latin typeface="+mn-ea"/>
-              </a:rPr>
-              <a:t>...</a:t>
-            </a:r>
-            <a:r>
-              <a:rPr lang="zh-TW" altLang="en-US" dirty="0">
-                <a:latin typeface="+mn-ea"/>
-              </a:rPr>
-              <a:t>等</a:t>
-            </a:r>
-            <a:r>
-              <a:rPr lang="en-US" altLang="zh-TW" dirty="0">
-                <a:latin typeface="+mn-ea"/>
-              </a:rPr>
-              <a:t>)</a:t>
-            </a:r>
-            <a:r>
-              <a:rPr lang="zh-TW" altLang="zh-TW" dirty="0">
-                <a:latin typeface="+mn-ea"/>
-              </a:rPr>
-              <a:t>，能立即到達目的地，</a:t>
-            </a:r>
-            <a:endParaRPr lang="en-US" altLang="zh-TW" dirty="0">
-              <a:latin typeface="+mn-ea"/>
-            </a:endParaRPr>
-          </a:p>
-          <a:p>
-            <a:pPr marL="0" indent="0">
-              <a:buNone/>
-            </a:pPr>
-            <a:r>
-              <a:rPr lang="zh-TW" altLang="en-US" dirty="0">
-                <a:latin typeface="+mn-ea"/>
-              </a:rPr>
-              <a:t>               所以我們想做一個校園導航的</a:t>
-            </a:r>
-            <a:r>
-              <a:rPr lang="en-US" altLang="zh-TW" dirty="0">
-                <a:latin typeface="+mn-ea"/>
-              </a:rPr>
-              <a:t>app</a:t>
-            </a:r>
-            <a:r>
-              <a:rPr lang="zh-TW" altLang="zh-TW" dirty="0">
-                <a:latin typeface="+mn-ea"/>
-              </a:rPr>
-              <a:t>，</a:t>
-            </a:r>
-            <a:r>
-              <a:rPr lang="zh-TW" altLang="en-US" dirty="0">
-                <a:latin typeface="+mn-ea"/>
-              </a:rPr>
-              <a:t>來處理這個問題</a:t>
-            </a:r>
-            <a:r>
-              <a:rPr lang="zh-TW" altLang="zh-TW" dirty="0">
-                <a:latin typeface="+mn-ea"/>
-              </a:rPr>
-              <a:t>。</a:t>
-            </a:r>
-            <a:endParaRPr lang="en-US" altLang="zh-TW" dirty="0">
-              <a:latin typeface="+mn-ea"/>
-            </a:endParaRPr>
-          </a:p>
-          <a:p>
-            <a:pPr marL="0" indent="0">
-              <a:buNone/>
-            </a:pPr>
-            <a:endParaRPr lang="zh-TW" altLang="zh-TW" dirty="0">
+            <a:endParaRPr lang="en-US" altLang="zh-TW" b="1" dirty="0">
               <a:latin typeface="+mn-ea"/>
             </a:endParaRPr>
           </a:p>
@@ -6381,7 +6433,7 @@
           <p:cNvPr id="2" name="標題 1">
             <a:extLst>
               <a:ext uri="{FF2B5EF4-FFF2-40B4-BE49-F238E27FC236}">
-                <a16:creationId xmlns:a16="http://schemas.microsoft.com/office/drawing/2014/main" id="{3F72AA84-F264-4C1E-9C80-64DD248686E8}"/>
+                <a16:creationId xmlns:a16="http://schemas.microsoft.com/office/drawing/2014/main" id="{97B2605B-01CC-4502-B68C-CB6FD5062026}"/>
               </a:ext>
             </a:extLst>
           </p:cNvPr>
@@ -6392,19 +6444,14 @@
             <p:ph type="title"/>
           </p:nvPr>
         </p:nvSpPr>
-        <p:spPr>
-          <a:xfrm>
-            <a:off x="677334" y="816638"/>
-            <a:ext cx="8596668" cy="1320800"/>
-          </a:xfrm>
-        </p:spPr>
+        <p:spPr/>
         <p:txBody>
           <a:bodyPr/>
           <a:lstStyle/>
           <a:p>
             <a:r>
               <a:rPr lang="zh-TW" altLang="en-US" dirty="0"/>
-              <a:t>簡介</a:t>
+              <a:t>動機</a:t>
             </a:r>
           </a:p>
         </p:txBody>
@@ -6414,7 +6461,7 @@
           <p:cNvPr id="3" name="內容版面配置區 2">
             <a:extLst>
               <a:ext uri="{FF2B5EF4-FFF2-40B4-BE49-F238E27FC236}">
-                <a16:creationId xmlns:a16="http://schemas.microsoft.com/office/drawing/2014/main" id="{D62DFB3D-0E5E-4E30-B8DB-411EE7A65EDE}"/>
+                <a16:creationId xmlns:a16="http://schemas.microsoft.com/office/drawing/2014/main" id="{2A2CB04A-79EC-44A2-B7EA-9F2562C8CA32}"/>
               </a:ext>
             </a:extLst>
           </p:cNvPr>
@@ -6428,332 +6475,64 @@
         <p:spPr/>
         <p:txBody>
           <a:bodyPr>
-            <a:normAutofit fontScale="62500" lnSpcReduction="20000"/>
+            <a:normAutofit/>
           </a:bodyPr>
           <a:lstStyle/>
           <a:p>
-            <a:pPr marL="0" indent="0">
-              <a:buNone/>
-            </a:pPr>
-            <a:endParaRPr lang="en-US" altLang="zh-TW" sz="2100" dirty="0">
+            <a:r>
+              <a:rPr lang="zh-TW" altLang="en-US" sz="2400" b="1" dirty="0">
+                <a:latin typeface="+mn-ea"/>
+              </a:rPr>
+              <a:t>你有想過路痴的感受嗎</a:t>
+            </a:r>
+            <a:r>
+              <a:rPr lang="en-US" altLang="zh-TW" sz="2400" b="1" dirty="0">
+                <a:latin typeface="+mn-ea"/>
+              </a:rPr>
+              <a:t>?</a:t>
+            </a:r>
+          </a:p>
+          <a:p>
+            <a:endParaRPr lang="en-US" altLang="zh-TW" sz="2400" b="1" dirty="0">
               <a:latin typeface="+mn-ea"/>
             </a:endParaRPr>
           </a:p>
           <a:p>
             <a:r>
-              <a:rPr lang="zh-TW" altLang="zh-TW" sz="2100" b="1" dirty="0">
-                <a:latin typeface="+mn-ea"/>
-              </a:rPr>
-              <a:t>需求分析</a:t>
-            </a:r>
-            <a:r>
-              <a:rPr lang="en-US" altLang="zh-TW" sz="2100" b="1" dirty="0">
-                <a:latin typeface="+mn-ea"/>
-              </a:rPr>
-              <a:t>:</a:t>
-            </a:r>
-            <a:r>
-              <a:rPr lang="zh-TW" altLang="zh-TW" sz="2100" b="1" dirty="0">
-                <a:latin typeface="+mn-ea"/>
-              </a:rPr>
-              <a:t> </a:t>
-            </a:r>
-            <a:r>
-              <a:rPr lang="en-US" altLang="zh-TW" sz="2100" dirty="0">
-                <a:latin typeface="+mn-ea"/>
-              </a:rPr>
-              <a:t>1.</a:t>
-            </a:r>
-            <a:r>
-              <a:rPr lang="zh-TW" altLang="zh-TW" sz="2100" dirty="0">
-                <a:latin typeface="+mn-ea"/>
-              </a:rPr>
-              <a:t>校園版</a:t>
-            </a:r>
-            <a:r>
-              <a:rPr lang="en-US" altLang="zh-TW" sz="2100" dirty="0">
-                <a:latin typeface="+mn-ea"/>
-              </a:rPr>
-              <a:t>Google Map</a:t>
-            </a:r>
-            <a:r>
-              <a:rPr lang="zh-TW" altLang="zh-TW" sz="2100" dirty="0">
-                <a:latin typeface="+mn-ea"/>
-              </a:rPr>
-              <a:t>，有導航、定位和地圖功能，能夠以教室名稱、實驗室或</a:t>
-            </a:r>
-            <a:endParaRPr lang="en-US" altLang="zh-TW" sz="2100" dirty="0">
-              <a:latin typeface="+mn-ea"/>
-            </a:endParaRPr>
-          </a:p>
-          <a:p>
-            <a:pPr marL="0" indent="0">
-              <a:buNone/>
-            </a:pPr>
-            <a:r>
-              <a:rPr lang="zh-TW" altLang="en-US" sz="2100" dirty="0">
-                <a:latin typeface="+mn-ea"/>
-              </a:rPr>
-              <a:t>                              </a:t>
-            </a:r>
-            <a:r>
-              <a:rPr lang="zh-TW" altLang="zh-TW" sz="2100" dirty="0">
-                <a:latin typeface="+mn-ea"/>
-              </a:rPr>
-              <a:t>研究室名稱定位</a:t>
-            </a:r>
-          </a:p>
-          <a:p>
-            <a:pPr marL="0" indent="0">
-              <a:buNone/>
-            </a:pPr>
-            <a:r>
-              <a:rPr lang="en-US" altLang="zh-TW" sz="2100" dirty="0">
-                <a:latin typeface="+mn-ea"/>
-              </a:rPr>
-              <a:t>   </a:t>
-            </a:r>
-            <a:r>
-              <a:rPr lang="zh-TW" altLang="en-US" sz="2100" dirty="0">
-                <a:latin typeface="+mn-ea"/>
-              </a:rPr>
-              <a:t>                      </a:t>
-            </a:r>
-            <a:r>
-              <a:rPr lang="en-US" altLang="zh-TW" sz="2100" dirty="0">
-                <a:latin typeface="+mn-ea"/>
-              </a:rPr>
-              <a:t> 2.</a:t>
-            </a:r>
-            <a:r>
-              <a:rPr lang="zh-TW" altLang="zh-TW" sz="2100" dirty="0">
-                <a:latin typeface="+mn-ea"/>
-              </a:rPr>
-              <a:t>管理該教室的單位（利於借還鑰匙以及回報教室狀況</a:t>
-            </a:r>
-            <a:r>
-              <a:rPr lang="en-US" altLang="zh-TW" sz="2100" dirty="0">
-                <a:latin typeface="+mn-ea"/>
-              </a:rPr>
-              <a:t> ex.</a:t>
-            </a:r>
-            <a:r>
-              <a:rPr lang="zh-TW" altLang="zh-TW" sz="2100" dirty="0">
-                <a:latin typeface="+mn-ea"/>
-              </a:rPr>
-              <a:t>報修）以及各單位的辦公</a:t>
-            </a:r>
-            <a:endParaRPr lang="en-US" altLang="zh-TW" sz="2100" dirty="0">
-              <a:latin typeface="+mn-ea"/>
-            </a:endParaRPr>
-          </a:p>
-          <a:p>
-            <a:pPr marL="0" indent="0">
-              <a:buNone/>
-            </a:pPr>
-            <a:r>
-              <a:rPr lang="zh-TW" altLang="en-US" sz="2100" dirty="0">
-                <a:latin typeface="+mn-ea"/>
-              </a:rPr>
-              <a:t>                             </a:t>
-            </a:r>
-            <a:r>
-              <a:rPr lang="zh-TW" altLang="zh-TW" sz="2100" dirty="0">
-                <a:latin typeface="+mn-ea"/>
-              </a:rPr>
-              <a:t>時間</a:t>
-            </a:r>
-          </a:p>
-          <a:p>
-            <a:pPr marL="0" indent="0">
-              <a:buNone/>
-            </a:pPr>
-            <a:r>
-              <a:rPr lang="en-US" altLang="zh-TW" sz="2100" dirty="0">
-                <a:latin typeface="+mn-ea"/>
-              </a:rPr>
-              <a:t>    </a:t>
-            </a:r>
-            <a:r>
-              <a:rPr lang="zh-TW" altLang="en-US" sz="2100" dirty="0">
-                <a:latin typeface="+mn-ea"/>
-              </a:rPr>
-              <a:t>                      </a:t>
-            </a:r>
-            <a:r>
-              <a:rPr lang="en-US" altLang="zh-TW" sz="2100" dirty="0">
-                <a:latin typeface="+mn-ea"/>
-              </a:rPr>
-              <a:t>3.</a:t>
-            </a:r>
-            <a:r>
-              <a:rPr lang="zh-TW" altLang="zh-TW" sz="2100" dirty="0">
-                <a:latin typeface="+mn-ea"/>
-              </a:rPr>
-              <a:t>快速導覽欄位：餐廳、球場、宿舍、行政單位、教室、吸煙區</a:t>
-            </a:r>
-          </a:p>
-          <a:p>
-            <a:pPr marL="0" indent="0">
-              <a:buNone/>
-            </a:pPr>
-            <a:r>
-              <a:rPr lang="en-US" altLang="zh-TW" sz="2100" dirty="0">
-                <a:latin typeface="+mn-ea"/>
-              </a:rPr>
-              <a:t>   </a:t>
-            </a:r>
-            <a:r>
-              <a:rPr lang="zh-TW" altLang="en-US" sz="2100" dirty="0">
-                <a:latin typeface="+mn-ea"/>
-              </a:rPr>
-              <a:t>                      </a:t>
-            </a:r>
-            <a:r>
-              <a:rPr lang="en-US" altLang="zh-TW" sz="2100" dirty="0">
-                <a:latin typeface="+mn-ea"/>
-              </a:rPr>
-              <a:t> 4.</a:t>
-            </a:r>
-            <a:r>
-              <a:rPr lang="zh-TW" altLang="zh-TW" sz="2100" dirty="0">
-                <a:latin typeface="+mn-ea"/>
-              </a:rPr>
-              <a:t>向朋友分享目前所在的位置，在茫茫人海中，還是找的到彼此</a:t>
-            </a:r>
-          </a:p>
-          <a:p>
-            <a:pPr marL="0" indent="0">
-              <a:buNone/>
-            </a:pPr>
-            <a:r>
-              <a:rPr lang="en-US" altLang="zh-TW" sz="2100" dirty="0">
-                <a:latin typeface="+mn-ea"/>
-              </a:rPr>
-              <a:t>    </a:t>
-            </a:r>
-            <a:r>
-              <a:rPr lang="zh-TW" altLang="en-US" sz="2100" dirty="0">
-                <a:latin typeface="+mn-ea"/>
-              </a:rPr>
-              <a:t>                      </a:t>
-            </a:r>
-            <a:r>
-              <a:rPr lang="en-US" altLang="zh-TW" sz="2100" dirty="0">
-                <a:latin typeface="+mn-ea"/>
-              </a:rPr>
-              <a:t>5.</a:t>
-            </a:r>
-            <a:r>
-              <a:rPr lang="zh-TW" altLang="zh-TW" sz="2100" dirty="0">
-                <a:latin typeface="+mn-ea"/>
-              </a:rPr>
-              <a:t>問題回報服務功能</a:t>
-            </a:r>
-          </a:p>
-          <a:p>
-            <a:endParaRPr lang="en-US" altLang="zh-TW" sz="2100" dirty="0">
-              <a:latin typeface="+mn-ea"/>
-            </a:endParaRPr>
-          </a:p>
-          <a:p>
-            <a:r>
-              <a:rPr lang="zh-TW" altLang="zh-TW" sz="2100" b="1" dirty="0">
-                <a:latin typeface="+mn-ea"/>
-              </a:rPr>
-              <a:t>構想說明</a:t>
-            </a:r>
-            <a:r>
-              <a:rPr lang="en-US" altLang="zh-TW" sz="2100" b="1" dirty="0">
-                <a:latin typeface="+mn-ea"/>
-              </a:rPr>
-              <a:t>:</a:t>
-            </a:r>
-            <a:r>
-              <a:rPr lang="zh-TW" altLang="zh-TW" sz="2100" dirty="0">
-                <a:latin typeface="+mn-ea"/>
-              </a:rPr>
-              <a:t>我們希望能夠開發一款</a:t>
-            </a:r>
-            <a:r>
-              <a:rPr lang="en-US" altLang="zh-TW" sz="2100" dirty="0">
-                <a:latin typeface="+mn-ea"/>
-              </a:rPr>
-              <a:t>APP</a:t>
-            </a:r>
-            <a:r>
-              <a:rPr lang="zh-TW" altLang="zh-TW" sz="2100" dirty="0">
-                <a:latin typeface="+mn-ea"/>
-              </a:rPr>
-              <a:t>，能夠幫助使用者即時定位目前位置並</a:t>
-            </a:r>
-            <a:endParaRPr lang="en-US" altLang="zh-TW" sz="2100" dirty="0">
-              <a:latin typeface="+mn-ea"/>
-            </a:endParaRPr>
-          </a:p>
-          <a:p>
-            <a:pPr marL="0" indent="0">
-              <a:buNone/>
-            </a:pPr>
-            <a:r>
-              <a:rPr lang="zh-TW" altLang="en-US" sz="2100" dirty="0">
-                <a:latin typeface="+mn-ea"/>
-              </a:rPr>
-              <a:t>                         </a:t>
-            </a:r>
-            <a:r>
-              <a:rPr lang="zh-TW" altLang="zh-TW" sz="2100" dirty="0">
-                <a:latin typeface="+mn-ea"/>
-              </a:rPr>
-              <a:t>搭配導航指引功能，只要輸入教室或是標的名稱，就能立即開始導航</a:t>
-            </a:r>
-            <a:endParaRPr lang="en-US" altLang="zh-TW" sz="2100" dirty="0">
-              <a:latin typeface="+mn-ea"/>
-            </a:endParaRPr>
-          </a:p>
-          <a:p>
-            <a:pPr marL="0" indent="0">
-              <a:buNone/>
-            </a:pPr>
-            <a:r>
-              <a:rPr lang="zh-TW" altLang="en-US" sz="2100" dirty="0">
-                <a:latin typeface="+mn-ea"/>
-              </a:rPr>
-              <a:t>                        </a:t>
-            </a:r>
-            <a:r>
-              <a:rPr lang="zh-TW" altLang="zh-TW" sz="2100" dirty="0">
-                <a:latin typeface="+mn-ea"/>
-              </a:rPr>
-              <a:t>，幫助使用者到達目的地。</a:t>
-            </a:r>
-            <a:endParaRPr lang="en-US" altLang="zh-TW" sz="2100" b="1" dirty="0">
-              <a:latin typeface="+mn-ea"/>
-            </a:endParaRPr>
-          </a:p>
-          <a:p>
-            <a:pPr marL="0" indent="0">
-              <a:buNone/>
-            </a:pPr>
-            <a:r>
-              <a:rPr lang="en-US" altLang="zh-TW" b="1" dirty="0">
-                <a:latin typeface="+mn-ea"/>
-              </a:rPr>
-              <a:t> </a:t>
-            </a:r>
-            <a:endParaRPr lang="zh-TW" altLang="en-US" dirty="0">
-              <a:latin typeface="+mn-ea"/>
-            </a:endParaRPr>
-          </a:p>
-          <a:p>
-            <a:endParaRPr lang="zh-TW" altLang="en-US" dirty="0"/>
+              <a:rPr lang="zh-TW" altLang="zh-TW" sz="2400" dirty="0"/>
+              <a:t>校園廣大，剛入學的新生需要花很多時間找教室</a:t>
+            </a:r>
+            <a:endParaRPr lang="en-US" altLang="zh-TW" sz="2400" dirty="0"/>
+          </a:p>
+          <a:p>
+            <a:r>
+              <a:rPr lang="zh-TW" altLang="zh-TW" sz="2400" dirty="0"/>
+              <a:t>外賓向學生詢問建築物或某會議室的位置，</a:t>
+            </a:r>
+            <a:r>
+              <a:rPr lang="zh-TW" altLang="en-US" sz="2400" dirty="0"/>
+              <a:t>但</a:t>
+            </a:r>
+            <a:r>
+              <a:rPr lang="zh-TW" altLang="zh-TW" sz="2400" dirty="0"/>
+              <a:t>在學生描述完畢後，外賓</a:t>
+            </a:r>
+            <a:r>
+              <a:rPr lang="zh-TW" altLang="en-US" sz="2400" dirty="0"/>
+              <a:t>仍然</a:t>
+            </a:r>
+            <a:r>
+              <a:rPr lang="zh-TW" altLang="zh-TW" sz="2400" dirty="0"/>
+              <a:t>一頭霧水</a:t>
+            </a:r>
+            <a:endParaRPr lang="zh-TW" altLang="en-US" sz="2400" dirty="0"/>
           </a:p>
         </p:txBody>
       </p:sp>
     </p:spTree>
     <p:extLst>
       <p:ext uri="{BB962C8B-B14F-4D97-AF65-F5344CB8AC3E}">
-        <p14:creationId xmlns:p14="http://schemas.microsoft.com/office/powerpoint/2010/main" val="3071001126"/>
+        <p14:creationId xmlns:p14="http://schemas.microsoft.com/office/powerpoint/2010/main" val="1331837803"/>
       </p:ext>
     </p:extLst>
   </p:cSld>
@@ -6785,7 +6564,7 @@
           <p:cNvPr id="2" name="標題 1">
             <a:extLst>
               <a:ext uri="{FF2B5EF4-FFF2-40B4-BE49-F238E27FC236}">
-                <a16:creationId xmlns:a16="http://schemas.microsoft.com/office/drawing/2014/main" id="{07F889AE-5486-41A1-B84B-9BA4B9FDCE49}"/>
+                <a16:creationId xmlns:a16="http://schemas.microsoft.com/office/drawing/2014/main" id="{91D61B5C-4EEB-4386-A31A-9357CAE29E79}"/>
               </a:ext>
             </a:extLst>
           </p:cNvPr>
@@ -6802,50 +6581,139 @@
           <a:lstStyle/>
           <a:p>
             <a:r>
-              <a:rPr lang="zh-TW" altLang="en-US" b="1" dirty="0"/>
-              <a:t>                </a:t>
-            </a:r>
-            <a:r>
-              <a:rPr lang="zh-TW" altLang="zh-TW" b="1" dirty="0"/>
-              <a:t>功能項目說明表</a:t>
-            </a:r>
-            <a:endParaRPr lang="zh-TW" altLang="en-US" dirty="0"/>
-          </a:p>
-        </p:txBody>
-      </p:sp>
-      <p:pic>
-        <p:nvPicPr>
-          <p:cNvPr id="5" name="圖片 4">
+              <a:rPr lang="zh-TW" altLang="en-US" dirty="0"/>
+              <a:t>目的</a:t>
+            </a:r>
+          </a:p>
+        </p:txBody>
+      </p:sp>
+      <p:sp>
+        <p:nvSpPr>
+          <p:cNvPr id="3" name="內容版面配置區 2">
             <a:extLst>
               <a:ext uri="{FF2B5EF4-FFF2-40B4-BE49-F238E27FC236}">
-                <a16:creationId xmlns:a16="http://schemas.microsoft.com/office/drawing/2014/main" id="{E9628D81-F94D-44D3-A4E3-159E4BCB0F47}"/>
+                <a16:creationId xmlns:a16="http://schemas.microsoft.com/office/drawing/2014/main" id="{AE1B8A4E-7DCB-4909-B032-14A291C8C8E3}"/>
               </a:ext>
             </a:extLst>
           </p:cNvPr>
-          <p:cNvPicPr>
-            <a:picLocks noChangeAspect="1"/>
-          </p:cNvPicPr>
-          <p:nvPr/>
-        </p:nvPicPr>
-        <p:blipFill rotWithShape="1">
-          <a:blip r:embed="rId2"/>
-          <a:srcRect b="31453"/>
-          <a:stretch/>
-        </p:blipFill>
-        <p:spPr>
-          <a:xfrm>
-            <a:off x="564305" y="2273301"/>
-            <a:ext cx="9874849" cy="3317874"/>
-          </a:xfrm>
-          <a:prstGeom prst="rect">
-            <a:avLst/>
-          </a:prstGeom>
-        </p:spPr>
-      </p:pic>
+          <p:cNvSpPr>
+            <a:spLocks noGrp="1"/>
+          </p:cNvSpPr>
+          <p:nvPr>
+            <p:ph idx="1"/>
+          </p:nvPr>
+        </p:nvSpPr>
+        <p:spPr/>
+        <p:txBody>
+          <a:bodyPr/>
+          <a:lstStyle/>
+          <a:p>
+            <a:r>
+              <a:rPr lang="zh-TW" altLang="en-US" sz="2400" dirty="0">
+                <a:latin typeface="+mn-ea"/>
+              </a:rPr>
+              <a:t>為了</a:t>
+            </a:r>
+            <a:r>
+              <a:rPr lang="zh-TW" altLang="zh-TW" sz="2400" dirty="0">
+                <a:latin typeface="+mn-ea"/>
+              </a:rPr>
+              <a:t>讓對校園不熟悉的人</a:t>
+            </a:r>
+            <a:r>
+              <a:rPr lang="en-US" altLang="zh-TW" sz="2400" dirty="0">
+                <a:latin typeface="+mn-ea"/>
+              </a:rPr>
+              <a:t>(</a:t>
+            </a:r>
+            <a:r>
+              <a:rPr lang="zh-TW" altLang="en-US" sz="2400" dirty="0">
+                <a:latin typeface="+mn-ea"/>
+              </a:rPr>
+              <a:t>如</a:t>
+            </a:r>
+            <a:r>
+              <a:rPr lang="en-US" altLang="zh-TW" sz="2400" dirty="0">
+                <a:latin typeface="+mn-ea"/>
+              </a:rPr>
+              <a:t>:</a:t>
+            </a:r>
+            <a:r>
+              <a:rPr lang="zh-TW" altLang="en-US" sz="2400" dirty="0">
+                <a:latin typeface="+mn-ea"/>
+              </a:rPr>
+              <a:t>考生、校外人士</a:t>
+            </a:r>
+            <a:r>
+              <a:rPr lang="en-US" altLang="zh-TW" sz="2400" dirty="0">
+                <a:latin typeface="+mn-ea"/>
+              </a:rPr>
+              <a:t>...</a:t>
+            </a:r>
+            <a:r>
+              <a:rPr lang="zh-TW" altLang="en-US" sz="2400" dirty="0">
+                <a:latin typeface="+mn-ea"/>
+              </a:rPr>
+              <a:t>等</a:t>
+            </a:r>
+            <a:r>
+              <a:rPr lang="en-US" altLang="zh-TW" sz="2400" dirty="0">
+                <a:latin typeface="+mn-ea"/>
+              </a:rPr>
+              <a:t>)</a:t>
+            </a:r>
+            <a:r>
+              <a:rPr lang="zh-TW" altLang="zh-TW" sz="2400" dirty="0">
+                <a:latin typeface="+mn-ea"/>
+              </a:rPr>
+              <a:t>，能立即到達目的地，</a:t>
+            </a:r>
+            <a:r>
+              <a:rPr lang="zh-TW" altLang="en-US" sz="2400" dirty="0">
+                <a:latin typeface="+mn-ea"/>
+              </a:rPr>
+              <a:t>所以我們想做一個校園導航的</a:t>
+            </a:r>
+            <a:r>
+              <a:rPr lang="en-US" altLang="zh-TW" sz="2400" dirty="0">
+                <a:latin typeface="+mn-ea"/>
+              </a:rPr>
+              <a:t>app</a:t>
+            </a:r>
+            <a:r>
+              <a:rPr lang="zh-TW" altLang="zh-TW" sz="2400" dirty="0">
+                <a:latin typeface="+mn-ea"/>
+              </a:rPr>
+              <a:t>，</a:t>
+            </a:r>
+            <a:r>
+              <a:rPr lang="zh-TW" altLang="en-US" sz="2400" dirty="0">
+                <a:latin typeface="+mn-ea"/>
+              </a:rPr>
+              <a:t>來處理這個問題</a:t>
+            </a:r>
+            <a:r>
+              <a:rPr lang="zh-TW" altLang="zh-TW" sz="2400" dirty="0">
+                <a:latin typeface="+mn-ea"/>
+              </a:rPr>
+              <a:t>。</a:t>
+            </a:r>
+            <a:endParaRPr lang="en-US" altLang="zh-TW" sz="2400" dirty="0">
+              <a:latin typeface="+mn-ea"/>
+            </a:endParaRPr>
+          </a:p>
+          <a:p>
+            <a:pPr marL="0" indent="0">
+              <a:buNone/>
+            </a:pPr>
+            <a:endParaRPr lang="zh-TW" altLang="en-US" dirty="0"/>
+          </a:p>
+        </p:txBody>
+      </p:sp>
     </p:spTree>
     <p:extLst>
       <p:ext uri="{BB962C8B-B14F-4D97-AF65-F5344CB8AC3E}">
-        <p14:creationId xmlns:p14="http://schemas.microsoft.com/office/powerpoint/2010/main" val="3715005943"/>
+        <p14:creationId xmlns:p14="http://schemas.microsoft.com/office/powerpoint/2010/main" val="1922202730"/>
       </p:ext>
     </p:extLst>
   </p:cSld>
@@ -6877,7 +6745,7 @@
           <p:cNvPr id="2" name="標題 1">
             <a:extLst>
               <a:ext uri="{FF2B5EF4-FFF2-40B4-BE49-F238E27FC236}">
-                <a16:creationId xmlns:a16="http://schemas.microsoft.com/office/drawing/2014/main" id="{2BD0DA01-59D7-4AED-885B-0AE0C81696FA}"/>
+                <a16:creationId xmlns:a16="http://schemas.microsoft.com/office/drawing/2014/main" id="{3F72AA84-F264-4C1E-9C80-64DD248686E8}"/>
               </a:ext>
             </a:extLst>
           </p:cNvPr>
@@ -6888,84 +6756,226 @@
             <p:ph type="title"/>
           </p:nvPr>
         </p:nvSpPr>
-        <p:spPr/>
+        <p:spPr>
+          <a:xfrm>
+            <a:off x="677334" y="816638"/>
+            <a:ext cx="8596668" cy="1320800"/>
+          </a:xfrm>
+        </p:spPr>
         <p:txBody>
           <a:bodyPr/>
           <a:lstStyle/>
           <a:p>
             <a:r>
-              <a:rPr lang="zh-TW" altLang="en-US" b="1" dirty="0"/>
-              <a:t>                </a:t>
-            </a:r>
-            <a:r>
-              <a:rPr lang="zh-TW" altLang="zh-TW" b="1" dirty="0"/>
-              <a:t>功能項目說明表</a:t>
-            </a:r>
-            <a:endParaRPr lang="zh-TW" altLang="en-US" dirty="0"/>
-          </a:p>
-        </p:txBody>
-      </p:sp>
-      <p:pic>
-        <p:nvPicPr>
-          <p:cNvPr id="5" name="內容版面配置區 4">
+              <a:rPr lang="zh-TW" altLang="en-US" dirty="0"/>
+              <a:t>需求分析</a:t>
+            </a:r>
+          </a:p>
+        </p:txBody>
+      </p:sp>
+      <p:sp>
+        <p:nvSpPr>
+          <p:cNvPr id="3" name="內容版面配置區 2">
             <a:extLst>
               <a:ext uri="{FF2B5EF4-FFF2-40B4-BE49-F238E27FC236}">
-                <a16:creationId xmlns:a16="http://schemas.microsoft.com/office/drawing/2014/main" id="{62C944C9-CD1F-4D74-82A5-58F5FE22B72D}"/>
+                <a16:creationId xmlns:a16="http://schemas.microsoft.com/office/drawing/2014/main" id="{D62DFB3D-0E5E-4E30-B8DB-411EE7A65EDE}"/>
               </a:ext>
             </a:extLst>
           </p:cNvPr>
-          <p:cNvPicPr>
-            <a:picLocks noGrp="1" noChangeAspect="1"/>
-          </p:cNvPicPr>
+          <p:cNvSpPr>
+            <a:spLocks noGrp="1"/>
+          </p:cNvSpPr>
           <p:nvPr>
             <p:ph idx="1"/>
           </p:nvPr>
-        </p:nvPicPr>
-        <p:blipFill rotWithShape="1">
-          <a:blip r:embed="rId2"/>
-          <a:srcRect t="69164" b="1745"/>
-          <a:stretch/>
-        </p:blipFill>
+        </p:nvSpPr>
         <p:spPr>
           <a:xfrm>
-            <a:off x="482549" y="3070226"/>
-            <a:ext cx="10099726" cy="1958974"/>
+            <a:off x="677334" y="1618271"/>
+            <a:ext cx="9045786" cy="4423091"/>
           </a:xfrm>
         </p:spPr>
-      </p:pic>
-      <p:pic>
-        <p:nvPicPr>
-          <p:cNvPr id="7" name="圖片 6">
-            <a:extLst>
-              <a:ext uri="{FF2B5EF4-FFF2-40B4-BE49-F238E27FC236}">
-                <a16:creationId xmlns:a16="http://schemas.microsoft.com/office/drawing/2014/main" id="{6017CC5E-1A4E-4887-AFD0-358A51FEDDEC}"/>
-              </a:ext>
-            </a:extLst>
-          </p:cNvPr>
-          <p:cNvPicPr>
-            <a:picLocks noChangeAspect="1"/>
-          </p:cNvPicPr>
-          <p:nvPr/>
-        </p:nvPicPr>
-        <p:blipFill rotWithShape="1">
-          <a:blip r:embed="rId2"/>
-          <a:srcRect b="94130"/>
-          <a:stretch/>
-        </p:blipFill>
-        <p:spPr>
-          <a:xfrm>
-            <a:off x="482549" y="2686051"/>
-            <a:ext cx="10099726" cy="384176"/>
-          </a:xfrm>
-          <a:prstGeom prst="rect">
-            <a:avLst/>
-          </a:prstGeom>
-        </p:spPr>
-      </p:pic>
+        <p:txBody>
+          <a:bodyPr>
+            <a:normAutofit/>
+          </a:bodyPr>
+          <a:lstStyle/>
+          <a:p>
+            <a:pPr marL="0" indent="0">
+              <a:buNone/>
+            </a:pPr>
+            <a:endParaRPr lang="en-US" altLang="zh-TW" sz="2100" dirty="0">
+              <a:latin typeface="+mn-ea"/>
+            </a:endParaRPr>
+          </a:p>
+          <a:p>
+            <a:pPr marL="0" indent="0">
+              <a:buNone/>
+            </a:pPr>
+            <a:r>
+              <a:rPr lang="en-US" altLang="zh-TW" sz="2000" dirty="0">
+                <a:latin typeface="+mn-ea"/>
+              </a:rPr>
+              <a:t>1.</a:t>
+            </a:r>
+            <a:r>
+              <a:rPr lang="zh-TW" altLang="zh-TW" sz="2000" dirty="0">
+                <a:latin typeface="+mn-ea"/>
+              </a:rPr>
+              <a:t>校園版</a:t>
+            </a:r>
+            <a:r>
+              <a:rPr lang="en-US" altLang="zh-TW" sz="2000" dirty="0">
+                <a:latin typeface="+mn-ea"/>
+              </a:rPr>
+              <a:t>Google Map</a:t>
+            </a:r>
+          </a:p>
+          <a:p>
+            <a:pPr lvl="1" indent="-342900">
+              <a:buFont typeface="Arial" panose="020B0604020202020204" pitchFamily="34" charset="0"/>
+              <a:buChar char="•"/>
+            </a:pPr>
+            <a:r>
+              <a:rPr lang="zh-TW" altLang="zh-TW" sz="2000" dirty="0">
+                <a:latin typeface="+mn-ea"/>
+              </a:rPr>
+              <a:t>有導航、定位和地圖功能，能夠以教室名稱、實驗室或研究室名稱定位</a:t>
+            </a:r>
+          </a:p>
+          <a:p>
+            <a:pPr marL="0" indent="0">
+              <a:buNone/>
+            </a:pPr>
+            <a:r>
+              <a:rPr lang="en-US" altLang="zh-TW" sz="2000" dirty="0">
+                <a:latin typeface="+mn-ea"/>
+              </a:rPr>
+              <a:t>2.</a:t>
+            </a:r>
+            <a:r>
+              <a:rPr lang="zh-TW" altLang="zh-TW" sz="2000" dirty="0">
+                <a:latin typeface="+mn-ea"/>
+              </a:rPr>
+              <a:t>管理該教室的單位以及各單位的辦公時間</a:t>
+            </a:r>
+            <a:endParaRPr lang="en-US" altLang="zh-TW" sz="2000" dirty="0">
+              <a:latin typeface="+mn-ea"/>
+            </a:endParaRPr>
+          </a:p>
+          <a:p>
+            <a:pPr lvl="1" indent="-342900">
+              <a:buFont typeface="Arial" panose="020B0604020202020204" pitchFamily="34" charset="0"/>
+              <a:buChar char="•"/>
+            </a:pPr>
+            <a:r>
+              <a:rPr lang="zh-TW" altLang="zh-TW" sz="2000" dirty="0">
+                <a:latin typeface="+mn-ea"/>
+              </a:rPr>
+              <a:t>利於借還鑰匙以及回報教室狀況</a:t>
+            </a:r>
+            <a:r>
+              <a:rPr lang="en-US" altLang="zh-TW" sz="2000" dirty="0">
+                <a:latin typeface="+mn-ea"/>
+              </a:rPr>
+              <a:t> ex.</a:t>
+            </a:r>
+            <a:r>
+              <a:rPr lang="zh-TW" altLang="zh-TW" sz="2000" dirty="0">
+                <a:latin typeface="+mn-ea"/>
+              </a:rPr>
+              <a:t>報修</a:t>
+            </a:r>
+          </a:p>
+          <a:p>
+            <a:pPr marL="0" indent="0">
+              <a:buNone/>
+            </a:pPr>
+            <a:r>
+              <a:rPr lang="en-US" altLang="zh-TW" sz="2000" dirty="0">
+                <a:latin typeface="+mn-ea"/>
+              </a:rPr>
+              <a:t>3.</a:t>
+            </a:r>
+            <a:r>
+              <a:rPr lang="zh-TW" altLang="zh-TW" sz="2000" dirty="0">
+                <a:latin typeface="+mn-ea"/>
+              </a:rPr>
+              <a:t>快速導覽欄位：餐廳、球場、宿舍、行政單位、教室、吸煙區</a:t>
+            </a:r>
+          </a:p>
+          <a:p>
+            <a:pPr marL="0" indent="0">
+              <a:buNone/>
+            </a:pPr>
+            <a:r>
+              <a:rPr lang="en-US" altLang="zh-TW" sz="2000" dirty="0">
+                <a:latin typeface="+mn-ea"/>
+              </a:rPr>
+              <a:t>4.</a:t>
+            </a:r>
+            <a:r>
+              <a:rPr lang="zh-TW" altLang="zh-TW" sz="2000" dirty="0">
+                <a:latin typeface="+mn-ea"/>
+              </a:rPr>
+              <a:t> </a:t>
+            </a:r>
+            <a:r>
+              <a:rPr lang="zh-TW" altLang="en-US" sz="2000" dirty="0">
+                <a:latin typeface="+mn-ea"/>
+              </a:rPr>
+              <a:t>紀錄</a:t>
+            </a:r>
+            <a:endParaRPr lang="en-US" altLang="zh-TW" sz="2000" dirty="0">
+              <a:latin typeface="+mn-ea"/>
+            </a:endParaRPr>
+          </a:p>
+          <a:p>
+            <a:pPr lvl="1">
+              <a:buFont typeface="Arial" panose="020B0604020202020204" pitchFamily="34" charset="0"/>
+              <a:buChar char="•"/>
+            </a:pPr>
+            <a:r>
+              <a:rPr lang="zh-TW" altLang="en-US" sz="2000" dirty="0">
+                <a:latin typeface="+mn-ea"/>
+              </a:rPr>
+              <a:t>紀錄搜尋過及到過的地點</a:t>
+            </a:r>
+            <a:endParaRPr lang="zh-TW" altLang="zh-TW" sz="2000" dirty="0">
+              <a:latin typeface="+mn-ea"/>
+            </a:endParaRPr>
+          </a:p>
+          <a:p>
+            <a:pPr marL="0" indent="0">
+              <a:buNone/>
+            </a:pPr>
+            <a:r>
+              <a:rPr lang="en-US" altLang="zh-TW" sz="2000" dirty="0">
+                <a:latin typeface="+mn-ea"/>
+              </a:rPr>
+              <a:t>5.</a:t>
+            </a:r>
+            <a:r>
+              <a:rPr lang="zh-TW" altLang="zh-TW" sz="2000" dirty="0">
+                <a:latin typeface="+mn-ea"/>
+              </a:rPr>
+              <a:t>問題回報服務功能</a:t>
+            </a:r>
+          </a:p>
+          <a:p>
+            <a:endParaRPr lang="en-US" altLang="zh-TW" sz="2100" dirty="0">
+              <a:latin typeface="+mn-ea"/>
+            </a:endParaRPr>
+          </a:p>
+          <a:p>
+            <a:endParaRPr lang="zh-TW" altLang="en-US" dirty="0"/>
+          </a:p>
+        </p:txBody>
+      </p:sp>
     </p:spTree>
     <p:extLst>
       <p:ext uri="{BB962C8B-B14F-4D97-AF65-F5344CB8AC3E}">
-        <p14:creationId xmlns:p14="http://schemas.microsoft.com/office/powerpoint/2010/main" val="4085638044"/>
+        <p14:creationId xmlns:p14="http://schemas.microsoft.com/office/powerpoint/2010/main" val="3071001126"/>
       </p:ext>
     </p:extLst>
   </p:cSld>
@@ -6976,6 +6986,1038 @@
 </file>
 
 <file path=ppt/slides/slide6.xml><?xml version="1.0" encoding="utf-8"?>
+<p:sld xmlns:a="http://schemas.openxmlformats.org/drawingml/2006/main" xmlns:r="http://schemas.openxmlformats.org/officeDocument/2006/relationships" xmlns:p="http://schemas.openxmlformats.org/presentationml/2006/main">
+  <p:cSld>
+    <p:spTree>
+      <p:nvGrpSpPr>
+        <p:cNvPr id="1" name=""/>
+        <p:cNvGrpSpPr/>
+        <p:nvPr/>
+      </p:nvGrpSpPr>
+      <p:grpSpPr>
+        <a:xfrm>
+          <a:off x="0" y="0"/>
+          <a:ext cx="0" cy="0"/>
+          <a:chOff x="0" y="0"/>
+          <a:chExt cx="0" cy="0"/>
+        </a:xfrm>
+      </p:grpSpPr>
+      <p:sp>
+        <p:nvSpPr>
+          <p:cNvPr id="2" name="標題 1">
+            <a:extLst>
+              <a:ext uri="{FF2B5EF4-FFF2-40B4-BE49-F238E27FC236}">
+                <a16:creationId xmlns:a16="http://schemas.microsoft.com/office/drawing/2014/main" id="{5DF5C93A-D3B2-456B-A5F0-1ACF53C5F8EE}"/>
+              </a:ext>
+            </a:extLst>
+          </p:cNvPr>
+          <p:cNvSpPr>
+            <a:spLocks noGrp="1"/>
+          </p:cNvSpPr>
+          <p:nvPr>
+            <p:ph type="title"/>
+          </p:nvPr>
+        </p:nvSpPr>
+        <p:spPr/>
+        <p:txBody>
+          <a:bodyPr/>
+          <a:lstStyle/>
+          <a:p>
+            <a:r>
+              <a:rPr lang="zh-TW" altLang="zh-TW" b="1" dirty="0">
+                <a:latin typeface="+mn-ea"/>
+              </a:rPr>
+              <a:t>構想說明</a:t>
+            </a:r>
+            <a:endParaRPr lang="zh-TW" altLang="en-US" dirty="0"/>
+          </a:p>
+        </p:txBody>
+      </p:sp>
+      <p:sp>
+        <p:nvSpPr>
+          <p:cNvPr id="3" name="內容版面配置區 2">
+            <a:extLst>
+              <a:ext uri="{FF2B5EF4-FFF2-40B4-BE49-F238E27FC236}">
+                <a16:creationId xmlns:a16="http://schemas.microsoft.com/office/drawing/2014/main" id="{43A649F7-E8A6-4D79-8970-1E744465D8B1}"/>
+              </a:ext>
+            </a:extLst>
+          </p:cNvPr>
+          <p:cNvSpPr>
+            <a:spLocks noGrp="1"/>
+          </p:cNvSpPr>
+          <p:nvPr>
+            <p:ph idx="1"/>
+          </p:nvPr>
+        </p:nvSpPr>
+        <p:spPr/>
+        <p:txBody>
+          <a:bodyPr/>
+          <a:lstStyle/>
+          <a:p>
+            <a:pPr marL="0" indent="0">
+              <a:buNone/>
+            </a:pPr>
+            <a:r>
+              <a:rPr lang="zh-TW" altLang="zh-TW" sz="2400" dirty="0">
+                <a:latin typeface="+mn-ea"/>
+              </a:rPr>
+              <a:t>我們希望能夠開發一款</a:t>
+            </a:r>
+            <a:r>
+              <a:rPr lang="en-US" altLang="zh-TW" sz="2400" dirty="0">
+                <a:latin typeface="+mn-ea"/>
+              </a:rPr>
+              <a:t>APP</a:t>
+            </a:r>
+            <a:r>
+              <a:rPr lang="zh-TW" altLang="zh-TW" sz="2400" dirty="0">
+                <a:latin typeface="+mn-ea"/>
+              </a:rPr>
+              <a:t>，能夠幫助使用者即時定位目前位置並</a:t>
+            </a:r>
+            <a:r>
+              <a:rPr lang="en-US" altLang="zh-TW" sz="2400" dirty="0">
+                <a:latin typeface="+mn-ea"/>
+              </a:rPr>
+              <a:t>，</a:t>
+            </a:r>
+            <a:r>
+              <a:rPr lang="zh-TW" altLang="zh-TW" sz="2400" dirty="0">
+                <a:latin typeface="+mn-ea"/>
+              </a:rPr>
+              <a:t>搭配導航指引功能，只要輸入教室或是標的名稱，就能立即開始導航，幫助使用者到達目的地。</a:t>
+            </a:r>
+            <a:endParaRPr lang="en-US" altLang="zh-TW" sz="2400" b="1" dirty="0">
+              <a:latin typeface="+mn-ea"/>
+            </a:endParaRPr>
+          </a:p>
+          <a:p>
+            <a:pPr marL="0" indent="0">
+              <a:buNone/>
+            </a:pPr>
+            <a:r>
+              <a:rPr lang="en-US" altLang="zh-TW" b="1" dirty="0">
+                <a:latin typeface="+mn-ea"/>
+              </a:rPr>
+              <a:t> </a:t>
+            </a:r>
+            <a:endParaRPr lang="zh-TW" altLang="en-US" dirty="0">
+              <a:latin typeface="+mn-ea"/>
+            </a:endParaRPr>
+          </a:p>
+          <a:p>
+            <a:endParaRPr lang="zh-TW" altLang="en-US" dirty="0"/>
+          </a:p>
+        </p:txBody>
+      </p:sp>
+    </p:spTree>
+    <p:extLst>
+      <p:ext uri="{BB962C8B-B14F-4D97-AF65-F5344CB8AC3E}">
+        <p14:creationId xmlns:p14="http://schemas.microsoft.com/office/powerpoint/2010/main" val="2505972257"/>
+      </p:ext>
+    </p:extLst>
+  </p:cSld>
+  <p:clrMapOvr>
+    <a:masterClrMapping/>
+  </p:clrMapOvr>
+</p:sld>
+</file>
+
+<file path=ppt/slides/slide7.xml><?xml version="1.0" encoding="utf-8"?>
+<p:sld xmlns:a="http://schemas.openxmlformats.org/drawingml/2006/main" xmlns:r="http://schemas.openxmlformats.org/officeDocument/2006/relationships" xmlns:p="http://schemas.openxmlformats.org/presentationml/2006/main">
+  <p:cSld>
+    <p:spTree>
+      <p:nvGrpSpPr>
+        <p:cNvPr id="1" name=""/>
+        <p:cNvGrpSpPr/>
+        <p:nvPr/>
+      </p:nvGrpSpPr>
+      <p:grpSpPr>
+        <a:xfrm>
+          <a:off x="0" y="0"/>
+          <a:ext cx="0" cy="0"/>
+          <a:chOff x="0" y="0"/>
+          <a:chExt cx="0" cy="0"/>
+        </a:xfrm>
+      </p:grpSpPr>
+      <p:sp>
+        <p:nvSpPr>
+          <p:cNvPr id="2" name="標題 1">
+            <a:extLst>
+              <a:ext uri="{FF2B5EF4-FFF2-40B4-BE49-F238E27FC236}">
+                <a16:creationId xmlns:a16="http://schemas.microsoft.com/office/drawing/2014/main" id="{44EFA9B9-5FE1-4090-96CB-510ED59B535F}"/>
+              </a:ext>
+            </a:extLst>
+          </p:cNvPr>
+          <p:cNvSpPr>
+            <a:spLocks noGrp="1"/>
+          </p:cNvSpPr>
+          <p:nvPr>
+            <p:ph type="title"/>
+          </p:nvPr>
+        </p:nvSpPr>
+        <p:spPr>
+          <a:xfrm>
+            <a:off x="526413" y="432046"/>
+            <a:ext cx="8596668" cy="1320800"/>
+          </a:xfrm>
+        </p:spPr>
+        <p:txBody>
+          <a:bodyPr/>
+          <a:lstStyle/>
+          <a:p>
+            <a:r>
+              <a:rPr lang="zh-TW" altLang="zh-TW" b="1" dirty="0"/>
+              <a:t>功能項目說明表</a:t>
+            </a:r>
+            <a:endParaRPr lang="zh-TW" altLang="en-US" dirty="0"/>
+          </a:p>
+        </p:txBody>
+      </p:sp>
+      <p:graphicFrame>
+        <p:nvGraphicFramePr>
+          <p:cNvPr id="4" name="內容版面配置區 3">
+            <a:extLst>
+              <a:ext uri="{FF2B5EF4-FFF2-40B4-BE49-F238E27FC236}">
+                <a16:creationId xmlns:a16="http://schemas.microsoft.com/office/drawing/2014/main" id="{6F565FFD-8386-4E8C-A99F-9B6A5AD9C08F}"/>
+              </a:ext>
+            </a:extLst>
+          </p:cNvPr>
+          <p:cNvGraphicFramePr>
+            <a:graphicFrameLocks noGrp="1"/>
+          </p:cNvGraphicFramePr>
+          <p:nvPr>
+            <p:ph idx="1"/>
+            <p:extLst>
+              <p:ext uri="{D42A27DB-BD31-4B8C-83A1-F6EECF244321}">
+                <p14:modId xmlns:p14="http://schemas.microsoft.com/office/powerpoint/2010/main" val="1751693130"/>
+              </p:ext>
+            </p:extLst>
+          </p:nvPr>
+        </p:nvGraphicFramePr>
+        <p:xfrm>
+          <a:off x="949911" y="1311675"/>
+          <a:ext cx="9135122" cy="4937760"/>
+        </p:xfrm>
+        <a:graphic>
+          <a:graphicData uri="http://schemas.openxmlformats.org/drawingml/2006/table">
+            <a:tbl>
+              <a:tblPr firstRow="1" firstCol="1" bandRow="1">
+                <a:tableStyleId>{5C22544A-7EE6-4342-B048-85BDC9FD1C3A}</a:tableStyleId>
+              </a:tblPr>
+              <a:tblGrid>
+                <a:gridCol w="1717978">
+                  <a:extLst>
+                    <a:ext uri="{9D8B030D-6E8A-4147-A177-3AD203B41FA5}">
+                      <a16:colId xmlns:a16="http://schemas.microsoft.com/office/drawing/2014/main" val="277127435"/>
+                    </a:ext>
+                  </a:extLst>
+                </a:gridCol>
+                <a:gridCol w="2259218">
+                  <a:extLst>
+                    <a:ext uri="{9D8B030D-6E8A-4147-A177-3AD203B41FA5}">
+                      <a16:colId xmlns:a16="http://schemas.microsoft.com/office/drawing/2014/main" val="541644385"/>
+                    </a:ext>
+                  </a:extLst>
+                </a:gridCol>
+                <a:gridCol w="5157926">
+                  <a:extLst>
+                    <a:ext uri="{9D8B030D-6E8A-4147-A177-3AD203B41FA5}">
+                      <a16:colId xmlns:a16="http://schemas.microsoft.com/office/drawing/2014/main" val="3484182031"/>
+                    </a:ext>
+                  </a:extLst>
+                </a:gridCol>
+              </a:tblGrid>
+              <a:tr h="233876">
+                <a:tc>
+                  <a:txBody>
+                    <a:bodyPr/>
+                    <a:lstStyle/>
+                    <a:p>
+                      <a:pPr>
+                        <a:spcAft>
+                          <a:spcPts val="0"/>
+                        </a:spcAft>
+                      </a:pPr>
+                      <a:r>
+                        <a:rPr lang="zh-TW" sz="1800" kern="100" dirty="0">
+                          <a:effectLst/>
+                        </a:rPr>
+                        <a:t>功能項目</a:t>
+                      </a:r>
+                      <a:endParaRPr lang="zh-TW" sz="1800" kern="100" dirty="0">
+                        <a:effectLst/>
+                        <a:latin typeface="Times New Roman" panose="02020603050405020304" pitchFamily="18" charset="0"/>
+                        <a:ea typeface="新細明體" panose="02020500000000000000" pitchFamily="18" charset="-120"/>
+                      </a:endParaRPr>
+                    </a:p>
+                  </a:txBody>
+                  <a:tcPr marL="68580" marR="68580" marT="0" marB="0"/>
+                </a:tc>
+                <a:tc>
+                  <a:txBody>
+                    <a:bodyPr/>
+                    <a:lstStyle/>
+                    <a:p>
+                      <a:pPr>
+                        <a:spcAft>
+                          <a:spcPts val="0"/>
+                        </a:spcAft>
+                      </a:pPr>
+                      <a:r>
+                        <a:rPr lang="zh-TW" sz="1800" kern="100">
+                          <a:effectLst/>
+                        </a:rPr>
+                        <a:t>功能項目操作</a:t>
+                      </a:r>
+                      <a:endParaRPr lang="zh-TW" sz="1800" kern="100">
+                        <a:effectLst/>
+                        <a:latin typeface="Times New Roman" panose="02020603050405020304" pitchFamily="18" charset="0"/>
+                        <a:ea typeface="新細明體" panose="02020500000000000000" pitchFamily="18" charset="-120"/>
+                      </a:endParaRPr>
+                    </a:p>
+                  </a:txBody>
+                  <a:tcPr marL="68580" marR="68580" marT="0" marB="0"/>
+                </a:tc>
+                <a:tc>
+                  <a:txBody>
+                    <a:bodyPr/>
+                    <a:lstStyle/>
+                    <a:p>
+                      <a:pPr>
+                        <a:spcAft>
+                          <a:spcPts val="0"/>
+                        </a:spcAft>
+                      </a:pPr>
+                      <a:r>
+                        <a:rPr lang="zh-TW" sz="1800" kern="100" dirty="0">
+                          <a:effectLst/>
+                        </a:rPr>
+                        <a:t>說明</a:t>
+                      </a:r>
+                      <a:endParaRPr lang="zh-TW" sz="1800" kern="100" dirty="0">
+                        <a:effectLst/>
+                        <a:latin typeface="Times New Roman" panose="02020603050405020304" pitchFamily="18" charset="0"/>
+                        <a:ea typeface="新細明體" panose="02020500000000000000" pitchFamily="18" charset="-120"/>
+                      </a:endParaRPr>
+                    </a:p>
+                  </a:txBody>
+                  <a:tcPr marL="68580" marR="68580" marT="0" marB="0"/>
+                </a:tc>
+                <a:extLst>
+                  <a:ext uri="{0D108BD9-81ED-4DB2-BD59-A6C34878D82A}">
+                    <a16:rowId xmlns:a16="http://schemas.microsoft.com/office/drawing/2014/main" val="1313413389"/>
+                  </a:ext>
+                </a:extLst>
+              </a:tr>
+              <a:tr h="233876">
+                <a:tc rowSpan="6">
+                  <a:txBody>
+                    <a:bodyPr/>
+                    <a:lstStyle/>
+                    <a:p>
+                      <a:pPr>
+                        <a:spcAft>
+                          <a:spcPts val="0"/>
+                        </a:spcAft>
+                      </a:pPr>
+                      <a:r>
+                        <a:rPr lang="zh-TW" sz="1800" kern="100" dirty="0">
+                          <a:effectLst/>
+                        </a:rPr>
+                        <a:t>導航</a:t>
+                      </a:r>
+                      <a:endParaRPr lang="zh-TW" sz="1800" kern="100" dirty="0">
+                        <a:effectLst/>
+                        <a:latin typeface="Times New Roman" panose="02020603050405020304" pitchFamily="18" charset="0"/>
+                        <a:ea typeface="新細明體" panose="02020500000000000000" pitchFamily="18" charset="-120"/>
+                      </a:endParaRPr>
+                    </a:p>
+                  </a:txBody>
+                  <a:tcPr marL="68580" marR="68580" marT="0" marB="0"/>
+                </a:tc>
+                <a:tc>
+                  <a:txBody>
+                    <a:bodyPr/>
+                    <a:lstStyle/>
+                    <a:p>
+                      <a:pPr>
+                        <a:spcAft>
+                          <a:spcPts val="0"/>
+                        </a:spcAft>
+                      </a:pPr>
+                      <a:r>
+                        <a:rPr lang="zh-TW" sz="1800" kern="100">
+                          <a:effectLst/>
+                        </a:rPr>
+                        <a:t>定位</a:t>
+                      </a:r>
+                      <a:endParaRPr lang="zh-TW" sz="1800" kern="100">
+                        <a:effectLst/>
+                        <a:latin typeface="Times New Roman" panose="02020603050405020304" pitchFamily="18" charset="0"/>
+                        <a:ea typeface="新細明體" panose="02020500000000000000" pitchFamily="18" charset="-120"/>
+                      </a:endParaRPr>
+                    </a:p>
+                  </a:txBody>
+                  <a:tcPr marL="68580" marR="68580" marT="0" marB="0"/>
+                </a:tc>
+                <a:tc>
+                  <a:txBody>
+                    <a:bodyPr/>
+                    <a:lstStyle/>
+                    <a:p>
+                      <a:pPr>
+                        <a:spcAft>
+                          <a:spcPts val="0"/>
+                        </a:spcAft>
+                      </a:pPr>
+                      <a:r>
+                        <a:rPr lang="zh-TW" sz="1800" kern="100">
+                          <a:effectLst/>
+                        </a:rPr>
+                        <a:t>顯示用戶地理位置。</a:t>
+                      </a:r>
+                      <a:endParaRPr lang="zh-TW" sz="1800" kern="100">
+                        <a:effectLst/>
+                        <a:latin typeface="Times New Roman" panose="02020603050405020304" pitchFamily="18" charset="0"/>
+                        <a:ea typeface="新細明體" panose="02020500000000000000" pitchFamily="18" charset="-120"/>
+                      </a:endParaRPr>
+                    </a:p>
+                  </a:txBody>
+                  <a:tcPr marL="68580" marR="68580" marT="0" marB="0"/>
+                </a:tc>
+                <a:extLst>
+                  <a:ext uri="{0D108BD9-81ED-4DB2-BD59-A6C34878D82A}">
+                    <a16:rowId xmlns:a16="http://schemas.microsoft.com/office/drawing/2014/main" val="2902314447"/>
+                  </a:ext>
+                </a:extLst>
+              </a:tr>
+              <a:tr h="467752">
+                <a:tc vMerge="1">
+                  <a:txBody>
+                    <a:bodyPr/>
+                    <a:lstStyle/>
+                    <a:p>
+                      <a:endParaRPr lang="zh-TW" altLang="en-US"/>
+                    </a:p>
+                  </a:txBody>
+                  <a:tcPr/>
+                </a:tc>
+                <a:tc>
+                  <a:txBody>
+                    <a:bodyPr/>
+                    <a:lstStyle/>
+                    <a:p>
+                      <a:pPr>
+                        <a:spcAft>
+                          <a:spcPts val="0"/>
+                        </a:spcAft>
+                      </a:pPr>
+                      <a:r>
+                        <a:rPr lang="zh-TW" sz="1800" kern="100" dirty="0">
+                          <a:effectLst/>
+                        </a:rPr>
+                        <a:t>搜尋</a:t>
+                      </a:r>
+                      <a:endParaRPr lang="zh-TW" sz="1800" kern="100" dirty="0">
+                        <a:effectLst/>
+                        <a:latin typeface="Times New Roman" panose="02020603050405020304" pitchFamily="18" charset="0"/>
+                        <a:ea typeface="新細明體" panose="02020500000000000000" pitchFamily="18" charset="-120"/>
+                      </a:endParaRPr>
+                    </a:p>
+                  </a:txBody>
+                  <a:tcPr marL="68580" marR="68580" marT="0" marB="0"/>
+                </a:tc>
+                <a:tc>
+                  <a:txBody>
+                    <a:bodyPr/>
+                    <a:lstStyle/>
+                    <a:p>
+                      <a:pPr>
+                        <a:spcAft>
+                          <a:spcPts val="0"/>
+                        </a:spcAft>
+                      </a:pPr>
+                      <a:r>
+                        <a:rPr lang="zh-TW" sz="1800" kern="100">
+                          <a:effectLst/>
+                        </a:rPr>
+                        <a:t>使用者可以透過教室名稱或編號</a:t>
+                      </a:r>
+                      <a:r>
+                        <a:rPr lang="en-US" sz="1800" kern="100">
+                          <a:effectLst/>
+                        </a:rPr>
+                        <a:t>(</a:t>
+                      </a:r>
+                      <a:r>
+                        <a:rPr lang="zh-TW" sz="1800" kern="100">
+                          <a:effectLst/>
+                        </a:rPr>
+                        <a:t>例如：電通系辦公室或</a:t>
+                      </a:r>
+                      <a:r>
+                        <a:rPr lang="en-US" sz="1800" kern="100">
+                          <a:effectLst/>
+                        </a:rPr>
+                        <a:t>F331)</a:t>
+                      </a:r>
+                      <a:r>
+                        <a:rPr lang="zh-TW" sz="1800" kern="100">
+                          <a:effectLst/>
+                        </a:rPr>
+                        <a:t>搜尋目的地。</a:t>
+                      </a:r>
+                      <a:endParaRPr lang="zh-TW" sz="1800" kern="100">
+                        <a:effectLst/>
+                        <a:latin typeface="Times New Roman" panose="02020603050405020304" pitchFamily="18" charset="0"/>
+                        <a:ea typeface="新細明體" panose="02020500000000000000" pitchFamily="18" charset="-120"/>
+                      </a:endParaRPr>
+                    </a:p>
+                  </a:txBody>
+                  <a:tcPr marL="68580" marR="68580" marT="0" marB="0"/>
+                </a:tc>
+                <a:extLst>
+                  <a:ext uri="{0D108BD9-81ED-4DB2-BD59-A6C34878D82A}">
+                    <a16:rowId xmlns:a16="http://schemas.microsoft.com/office/drawing/2014/main" val="1410483190"/>
+                  </a:ext>
+                </a:extLst>
+              </a:tr>
+              <a:tr h="233876">
+                <a:tc vMerge="1">
+                  <a:txBody>
+                    <a:bodyPr/>
+                    <a:lstStyle/>
+                    <a:p>
+                      <a:endParaRPr lang="zh-TW" altLang="en-US"/>
+                    </a:p>
+                  </a:txBody>
+                  <a:tcPr/>
+                </a:tc>
+                <a:tc>
+                  <a:txBody>
+                    <a:bodyPr/>
+                    <a:lstStyle/>
+                    <a:p>
+                      <a:pPr>
+                        <a:spcAft>
+                          <a:spcPts val="0"/>
+                        </a:spcAft>
+                      </a:pPr>
+                      <a:r>
+                        <a:rPr lang="zh-TW" sz="1800" kern="100" dirty="0">
+                          <a:effectLst/>
+                        </a:rPr>
+                        <a:t>規劃路線</a:t>
+                      </a:r>
+                      <a:endParaRPr lang="zh-TW" sz="1800" kern="100" dirty="0">
+                        <a:effectLst/>
+                        <a:latin typeface="Times New Roman" panose="02020603050405020304" pitchFamily="18" charset="0"/>
+                        <a:ea typeface="新細明體" panose="02020500000000000000" pitchFamily="18" charset="-120"/>
+                      </a:endParaRPr>
+                    </a:p>
+                  </a:txBody>
+                  <a:tcPr marL="68580" marR="68580" marT="0" marB="0"/>
+                </a:tc>
+                <a:tc>
+                  <a:txBody>
+                    <a:bodyPr/>
+                    <a:lstStyle/>
+                    <a:p>
+                      <a:pPr>
+                        <a:spcAft>
+                          <a:spcPts val="0"/>
+                        </a:spcAft>
+                      </a:pPr>
+                      <a:r>
+                        <a:rPr lang="zh-TW" sz="1800" kern="100">
+                          <a:effectLst/>
+                        </a:rPr>
+                        <a:t>為使用者規劃由使用者位置到目的地的適當路線。</a:t>
+                      </a:r>
+                      <a:endParaRPr lang="zh-TW" sz="1800" kern="100">
+                        <a:effectLst/>
+                        <a:latin typeface="Times New Roman" panose="02020603050405020304" pitchFamily="18" charset="0"/>
+                        <a:ea typeface="新細明體" panose="02020500000000000000" pitchFamily="18" charset="-120"/>
+                      </a:endParaRPr>
+                    </a:p>
+                  </a:txBody>
+                  <a:tcPr marL="68580" marR="68580" marT="0" marB="0"/>
+                </a:tc>
+                <a:extLst>
+                  <a:ext uri="{0D108BD9-81ED-4DB2-BD59-A6C34878D82A}">
+                    <a16:rowId xmlns:a16="http://schemas.microsoft.com/office/drawing/2014/main" val="2020826338"/>
+                  </a:ext>
+                </a:extLst>
+              </a:tr>
+              <a:tr h="467752">
+                <a:tc vMerge="1">
+                  <a:txBody>
+                    <a:bodyPr/>
+                    <a:lstStyle/>
+                    <a:p>
+                      <a:endParaRPr lang="zh-TW" altLang="en-US"/>
+                    </a:p>
+                  </a:txBody>
+                  <a:tcPr/>
+                </a:tc>
+                <a:tc>
+                  <a:txBody>
+                    <a:bodyPr/>
+                    <a:lstStyle/>
+                    <a:p>
+                      <a:pPr>
+                        <a:spcAft>
+                          <a:spcPts val="0"/>
+                        </a:spcAft>
+                      </a:pPr>
+                      <a:r>
+                        <a:rPr lang="zh-TW" sz="1800" kern="100" dirty="0">
+                          <a:effectLst/>
+                        </a:rPr>
+                        <a:t>查詢教室管理單位</a:t>
+                      </a:r>
+                      <a:endParaRPr lang="zh-TW" sz="1800" kern="100" dirty="0">
+                        <a:effectLst/>
+                        <a:latin typeface="Times New Roman" panose="02020603050405020304" pitchFamily="18" charset="0"/>
+                        <a:ea typeface="新細明體" panose="02020500000000000000" pitchFamily="18" charset="-120"/>
+                      </a:endParaRPr>
+                    </a:p>
+                  </a:txBody>
+                  <a:tcPr marL="68580" marR="68580" marT="0" marB="0"/>
+                </a:tc>
+                <a:tc>
+                  <a:txBody>
+                    <a:bodyPr/>
+                    <a:lstStyle/>
+                    <a:p>
+                      <a:pPr>
+                        <a:spcAft>
+                          <a:spcPts val="0"/>
+                        </a:spcAft>
+                      </a:pPr>
+                      <a:r>
+                        <a:rPr lang="zh-TW" sz="1800" kern="100" dirty="0">
+                          <a:effectLst/>
+                        </a:rPr>
+                        <a:t>提供使用者查詢該教室負責管理的單位及該單位的辦公時間，以利使用者借用鑰匙或報修。</a:t>
+                      </a:r>
+                      <a:endParaRPr lang="zh-TW" sz="1800" kern="100" dirty="0">
+                        <a:effectLst/>
+                        <a:latin typeface="Times New Roman" panose="02020603050405020304" pitchFamily="18" charset="0"/>
+                        <a:ea typeface="新細明體" panose="02020500000000000000" pitchFamily="18" charset="-120"/>
+                      </a:endParaRPr>
+                    </a:p>
+                  </a:txBody>
+                  <a:tcPr marL="68580" marR="68580" marT="0" marB="0"/>
+                </a:tc>
+                <a:extLst>
+                  <a:ext uri="{0D108BD9-81ED-4DB2-BD59-A6C34878D82A}">
+                    <a16:rowId xmlns:a16="http://schemas.microsoft.com/office/drawing/2014/main" val="2462769349"/>
+                  </a:ext>
+                </a:extLst>
+              </a:tr>
+              <a:tr h="467752">
+                <a:tc vMerge="1">
+                  <a:txBody>
+                    <a:bodyPr/>
+                    <a:lstStyle/>
+                    <a:p>
+                      <a:endParaRPr lang="zh-TW" altLang="en-US"/>
+                    </a:p>
+                  </a:txBody>
+                  <a:tcPr/>
+                </a:tc>
+                <a:tc>
+                  <a:txBody>
+                    <a:bodyPr/>
+                    <a:lstStyle/>
+                    <a:p>
+                      <a:pPr>
+                        <a:spcAft>
+                          <a:spcPts val="0"/>
+                        </a:spcAft>
+                      </a:pPr>
+                      <a:r>
+                        <a:rPr lang="en-US" sz="1800" kern="100" dirty="0">
+                          <a:effectLst/>
+                        </a:rPr>
+                        <a:t>//</a:t>
+                      </a:r>
+                      <a:r>
+                        <a:rPr lang="zh-TW" sz="1800" kern="100" dirty="0">
+                          <a:effectLst/>
+                        </a:rPr>
+                        <a:t>分享位置訊息</a:t>
+                      </a:r>
+                      <a:endParaRPr lang="zh-TW" sz="1800" kern="100" dirty="0">
+                        <a:effectLst/>
+                        <a:latin typeface="Times New Roman" panose="02020603050405020304" pitchFamily="18" charset="0"/>
+                        <a:ea typeface="新細明體" panose="02020500000000000000" pitchFamily="18" charset="-120"/>
+                      </a:endParaRPr>
+                    </a:p>
+                  </a:txBody>
+                  <a:tcPr marL="68580" marR="68580" marT="0" marB="0"/>
+                </a:tc>
+                <a:tc>
+                  <a:txBody>
+                    <a:bodyPr/>
+                    <a:lstStyle/>
+                    <a:p>
+                      <a:pPr>
+                        <a:spcAft>
+                          <a:spcPts val="0"/>
+                        </a:spcAft>
+                      </a:pPr>
+                      <a:r>
+                        <a:rPr lang="zh-TW" sz="1800" kern="100" dirty="0">
+                          <a:effectLst/>
+                        </a:rPr>
+                        <a:t>使用者可以將自己的位置分享給特定用戶，讓對方可以快速的找到找到自己所在的位置。</a:t>
+                      </a:r>
+                      <a:endParaRPr lang="zh-TW" sz="1800" kern="100" dirty="0">
+                        <a:effectLst/>
+                        <a:latin typeface="Times New Roman" panose="02020603050405020304" pitchFamily="18" charset="0"/>
+                        <a:ea typeface="新細明體" panose="02020500000000000000" pitchFamily="18" charset="-120"/>
+                      </a:endParaRPr>
+                    </a:p>
+                  </a:txBody>
+                  <a:tcPr marL="68580" marR="68580" marT="0" marB="0"/>
+                </a:tc>
+                <a:extLst>
+                  <a:ext uri="{0D108BD9-81ED-4DB2-BD59-A6C34878D82A}">
+                    <a16:rowId xmlns:a16="http://schemas.microsoft.com/office/drawing/2014/main" val="29665507"/>
+                  </a:ext>
+                </a:extLst>
+              </a:tr>
+              <a:tr h="467752">
+                <a:tc vMerge="1">
+                  <a:txBody>
+                    <a:bodyPr/>
+                    <a:lstStyle/>
+                    <a:p>
+                      <a:endParaRPr lang="zh-TW" altLang="en-US"/>
+                    </a:p>
+                  </a:txBody>
+                  <a:tcPr/>
+                </a:tc>
+                <a:tc>
+                  <a:txBody>
+                    <a:bodyPr/>
+                    <a:lstStyle/>
+                    <a:p>
+                      <a:pPr>
+                        <a:spcAft>
+                          <a:spcPts val="0"/>
+                        </a:spcAft>
+                      </a:pPr>
+                      <a:r>
+                        <a:rPr lang="zh-TW" sz="1800" kern="100">
+                          <a:effectLst/>
+                        </a:rPr>
+                        <a:t>快速導覽</a:t>
+                      </a:r>
+                      <a:endParaRPr lang="zh-TW" sz="1800" kern="100">
+                        <a:effectLst/>
+                        <a:latin typeface="Times New Roman" panose="02020603050405020304" pitchFamily="18" charset="0"/>
+                        <a:ea typeface="新細明體" panose="02020500000000000000" pitchFamily="18" charset="-120"/>
+                      </a:endParaRPr>
+                    </a:p>
+                  </a:txBody>
+                  <a:tcPr marL="68580" marR="68580" marT="0" marB="0"/>
+                </a:tc>
+                <a:tc>
+                  <a:txBody>
+                    <a:bodyPr/>
+                    <a:lstStyle/>
+                    <a:p>
+                      <a:pPr>
+                        <a:spcAft>
+                          <a:spcPts val="0"/>
+                        </a:spcAft>
+                      </a:pPr>
+                      <a:r>
+                        <a:rPr lang="zh-TW" sz="1800" kern="100" dirty="0">
+                          <a:effectLst/>
+                        </a:rPr>
+                        <a:t>提供餐廳、球場、宿舍、行政單位、教室、吸煙區等多個選項，使用者可以透過點擊選項顯示附近的地點。</a:t>
+                      </a:r>
+                      <a:endParaRPr lang="zh-TW" sz="1800" kern="100" dirty="0">
+                        <a:effectLst/>
+                        <a:latin typeface="Times New Roman" panose="02020603050405020304" pitchFamily="18" charset="0"/>
+                        <a:ea typeface="新細明體" panose="02020500000000000000" pitchFamily="18" charset="-120"/>
+                      </a:endParaRPr>
+                    </a:p>
+                  </a:txBody>
+                  <a:tcPr marL="68580" marR="68580" marT="0" marB="0"/>
+                </a:tc>
+                <a:extLst>
+                  <a:ext uri="{0D108BD9-81ED-4DB2-BD59-A6C34878D82A}">
+                    <a16:rowId xmlns:a16="http://schemas.microsoft.com/office/drawing/2014/main" val="4203516303"/>
+                  </a:ext>
+                </a:extLst>
+              </a:tr>
+              <a:tr h="467752">
+                <a:tc rowSpan="2">
+                  <a:txBody>
+                    <a:bodyPr/>
+                    <a:lstStyle/>
+                    <a:p>
+                      <a:pPr>
+                        <a:spcAft>
+                          <a:spcPts val="0"/>
+                        </a:spcAft>
+                      </a:pPr>
+                      <a:r>
+                        <a:rPr lang="zh-TW" sz="1800" kern="100">
+                          <a:effectLst/>
+                        </a:rPr>
+                        <a:t>紀錄</a:t>
+                      </a:r>
+                      <a:endParaRPr lang="zh-TW" sz="1800" kern="100">
+                        <a:effectLst/>
+                        <a:latin typeface="Times New Roman" panose="02020603050405020304" pitchFamily="18" charset="0"/>
+                        <a:ea typeface="新細明體" panose="02020500000000000000" pitchFamily="18" charset="-120"/>
+                      </a:endParaRPr>
+                    </a:p>
+                  </a:txBody>
+                  <a:tcPr marL="68580" marR="68580" marT="0" marB="0"/>
+                </a:tc>
+                <a:tc>
+                  <a:txBody>
+                    <a:bodyPr/>
+                    <a:lstStyle/>
+                    <a:p>
+                      <a:pPr>
+                        <a:spcAft>
+                          <a:spcPts val="0"/>
+                        </a:spcAft>
+                      </a:pPr>
+                      <a:r>
+                        <a:rPr lang="zh-TW" sz="1800" kern="100">
+                          <a:effectLst/>
+                        </a:rPr>
+                        <a:t>搜尋紀錄</a:t>
+                      </a:r>
+                      <a:endParaRPr lang="zh-TW" sz="1800" kern="100">
+                        <a:effectLst/>
+                        <a:latin typeface="Times New Roman" panose="02020603050405020304" pitchFamily="18" charset="0"/>
+                        <a:ea typeface="新細明體" panose="02020500000000000000" pitchFamily="18" charset="-120"/>
+                      </a:endParaRPr>
+                    </a:p>
+                  </a:txBody>
+                  <a:tcPr marL="68580" marR="68580" marT="0" marB="0"/>
+                </a:tc>
+                <a:tc>
+                  <a:txBody>
+                    <a:bodyPr/>
+                    <a:lstStyle/>
+                    <a:p>
+                      <a:pPr>
+                        <a:spcAft>
+                          <a:spcPts val="0"/>
+                        </a:spcAft>
+                      </a:pPr>
+                      <a:r>
+                        <a:rPr lang="zh-TW" sz="1800" kern="100" dirty="0">
+                          <a:effectLst/>
+                        </a:rPr>
+                        <a:t>記錄使用者曾經搜尋過的地點，使用者可以根據喜好決定開啟或關閉此功能。</a:t>
+                      </a:r>
+                      <a:endParaRPr lang="zh-TW" sz="1800" kern="100" dirty="0">
+                        <a:effectLst/>
+                        <a:latin typeface="Times New Roman" panose="02020603050405020304" pitchFamily="18" charset="0"/>
+                        <a:ea typeface="新細明體" panose="02020500000000000000" pitchFamily="18" charset="-120"/>
+                      </a:endParaRPr>
+                    </a:p>
+                  </a:txBody>
+                  <a:tcPr marL="68580" marR="68580" marT="0" marB="0"/>
+                </a:tc>
+                <a:extLst>
+                  <a:ext uri="{0D108BD9-81ED-4DB2-BD59-A6C34878D82A}">
+                    <a16:rowId xmlns:a16="http://schemas.microsoft.com/office/drawing/2014/main" val="93402227"/>
+                  </a:ext>
+                </a:extLst>
+              </a:tr>
+              <a:tr h="467752">
+                <a:tc vMerge="1">
+                  <a:txBody>
+                    <a:bodyPr/>
+                    <a:lstStyle/>
+                    <a:p>
+                      <a:endParaRPr lang="zh-TW" altLang="en-US"/>
+                    </a:p>
+                  </a:txBody>
+                  <a:tcPr/>
+                </a:tc>
+                <a:tc>
+                  <a:txBody>
+                    <a:bodyPr/>
+                    <a:lstStyle/>
+                    <a:p>
+                      <a:pPr>
+                        <a:spcAft>
+                          <a:spcPts val="0"/>
+                        </a:spcAft>
+                      </a:pPr>
+                      <a:r>
+                        <a:rPr lang="zh-TW" sz="1800" kern="100">
+                          <a:effectLst/>
+                        </a:rPr>
+                        <a:t>曾經到過地點</a:t>
+                      </a:r>
+                      <a:endParaRPr lang="zh-TW" sz="1800" kern="100">
+                        <a:effectLst/>
+                        <a:latin typeface="Times New Roman" panose="02020603050405020304" pitchFamily="18" charset="0"/>
+                        <a:ea typeface="新細明體" panose="02020500000000000000" pitchFamily="18" charset="-120"/>
+                      </a:endParaRPr>
+                    </a:p>
+                  </a:txBody>
+                  <a:tcPr marL="68580" marR="68580" marT="0" marB="0"/>
+                </a:tc>
+                <a:tc>
+                  <a:txBody>
+                    <a:bodyPr/>
+                    <a:lstStyle/>
+                    <a:p>
+                      <a:pPr>
+                        <a:spcAft>
+                          <a:spcPts val="0"/>
+                        </a:spcAft>
+                      </a:pPr>
+                      <a:r>
+                        <a:rPr lang="zh-TW" sz="1800" kern="100" dirty="0">
+                          <a:effectLst/>
+                        </a:rPr>
+                        <a:t>記錄使用者曾經到過的地點，使用者可以根據喜好決定開啟或關閉此功能。</a:t>
+                      </a:r>
+                      <a:endParaRPr lang="zh-TW" sz="1800" kern="100" dirty="0">
+                        <a:effectLst/>
+                        <a:latin typeface="Times New Roman" panose="02020603050405020304" pitchFamily="18" charset="0"/>
+                        <a:ea typeface="新細明體" panose="02020500000000000000" pitchFamily="18" charset="-120"/>
+                      </a:endParaRPr>
+                    </a:p>
+                  </a:txBody>
+                  <a:tcPr marL="68580" marR="68580" marT="0" marB="0"/>
+                </a:tc>
+                <a:extLst>
+                  <a:ext uri="{0D108BD9-81ED-4DB2-BD59-A6C34878D82A}">
+                    <a16:rowId xmlns:a16="http://schemas.microsoft.com/office/drawing/2014/main" val="4007747447"/>
+                  </a:ext>
+                </a:extLst>
+              </a:tr>
+              <a:tr h="467752">
+                <a:tc>
+                  <a:txBody>
+                    <a:bodyPr/>
+                    <a:lstStyle/>
+                    <a:p>
+                      <a:pPr>
+                        <a:spcAft>
+                          <a:spcPts val="0"/>
+                        </a:spcAft>
+                      </a:pPr>
+                      <a:r>
+                        <a:rPr lang="zh-TW" sz="1800" kern="100">
+                          <a:effectLst/>
+                        </a:rPr>
+                        <a:t>問題回報系統</a:t>
+                      </a:r>
+                      <a:endParaRPr lang="zh-TW" sz="1800" kern="100">
+                        <a:effectLst/>
+                        <a:latin typeface="Times New Roman" panose="02020603050405020304" pitchFamily="18" charset="0"/>
+                        <a:ea typeface="新細明體" panose="02020500000000000000" pitchFamily="18" charset="-120"/>
+                      </a:endParaRPr>
+                    </a:p>
+                  </a:txBody>
+                  <a:tcPr marL="68580" marR="68580" marT="0" marB="0"/>
+                </a:tc>
+                <a:tc>
+                  <a:txBody>
+                    <a:bodyPr/>
+                    <a:lstStyle/>
+                    <a:p>
+                      <a:pPr>
+                        <a:spcAft>
+                          <a:spcPts val="0"/>
+                        </a:spcAft>
+                      </a:pPr>
+                      <a:r>
+                        <a:rPr lang="zh-TW" sz="1800" kern="100">
+                          <a:effectLst/>
+                        </a:rPr>
+                        <a:t>回報問題</a:t>
+                      </a:r>
+                      <a:endParaRPr lang="zh-TW" sz="1800" kern="100">
+                        <a:effectLst/>
+                        <a:latin typeface="Times New Roman" panose="02020603050405020304" pitchFamily="18" charset="0"/>
+                        <a:ea typeface="新細明體" panose="02020500000000000000" pitchFamily="18" charset="-120"/>
+                      </a:endParaRPr>
+                    </a:p>
+                  </a:txBody>
+                  <a:tcPr marL="68580" marR="68580" marT="0" marB="0"/>
+                </a:tc>
+                <a:tc>
+                  <a:txBody>
+                    <a:bodyPr/>
+                    <a:lstStyle/>
+                    <a:p>
+                      <a:pPr>
+                        <a:spcAft>
+                          <a:spcPts val="0"/>
+                        </a:spcAft>
+                      </a:pPr>
+                      <a:r>
+                        <a:rPr lang="zh-TW" sz="1800" kern="100" dirty="0">
+                          <a:effectLst/>
+                        </a:rPr>
+                        <a:t>使用者在使用</a:t>
+                      </a:r>
+                      <a:r>
+                        <a:rPr lang="en-US" sz="1800" kern="100" dirty="0">
+                          <a:effectLst/>
+                        </a:rPr>
+                        <a:t>APP</a:t>
+                      </a:r>
+                      <a:r>
+                        <a:rPr lang="zh-TW" sz="1800" kern="100" dirty="0">
+                          <a:effectLst/>
+                        </a:rPr>
+                        <a:t>時，若有發現任何問題可以透過問題回報系統告知開發人員。</a:t>
+                      </a:r>
+                      <a:endParaRPr lang="zh-TW" sz="1800" kern="100" dirty="0">
+                        <a:effectLst/>
+                        <a:latin typeface="Times New Roman" panose="02020603050405020304" pitchFamily="18" charset="0"/>
+                        <a:ea typeface="新細明體" panose="02020500000000000000" pitchFamily="18" charset="-120"/>
+                      </a:endParaRPr>
+                    </a:p>
+                  </a:txBody>
+                  <a:tcPr marL="68580" marR="68580" marT="0" marB="0"/>
+                </a:tc>
+                <a:extLst>
+                  <a:ext uri="{0D108BD9-81ED-4DB2-BD59-A6C34878D82A}">
+                    <a16:rowId xmlns:a16="http://schemas.microsoft.com/office/drawing/2014/main" val="2318089839"/>
+                  </a:ext>
+                </a:extLst>
+              </a:tr>
+            </a:tbl>
+          </a:graphicData>
+        </a:graphic>
+      </p:graphicFrame>
+    </p:spTree>
+    <p:extLst>
+      <p:ext uri="{BB962C8B-B14F-4D97-AF65-F5344CB8AC3E}">
+        <p14:creationId xmlns:p14="http://schemas.microsoft.com/office/powerpoint/2010/main" val="549987788"/>
+      </p:ext>
+    </p:extLst>
+  </p:cSld>
+  <p:clrMapOvr>
+    <a:masterClrMapping/>
+  </p:clrMapOvr>
+</p:sld>
+</file>
+
+<file path=ppt/slides/slide8.xml><?xml version="1.0" encoding="utf-8"?>
 <p:sld xmlns:a="http://schemas.openxmlformats.org/drawingml/2006/main" xmlns:r="http://schemas.openxmlformats.org/officeDocument/2006/relationships" xmlns:p="http://schemas.openxmlformats.org/presentationml/2006/main">
   <p:cSld>
     <p:spTree>
@@ -7079,7 +8121,7 @@
         </p:blipFill>
         <p:spPr bwMode="auto">
           <a:xfrm>
-            <a:off x="677334" y="1270000"/>
+            <a:off x="2044496" y="1198979"/>
             <a:ext cx="7119714" cy="5300367"/>
           </a:xfrm>
           <a:prstGeom prst="rect">
@@ -7123,7 +8165,7 @@
 </p:sld>
 </file>
 
-<file path=ppt/slides/slide7.xml><?xml version="1.0" encoding="utf-8"?>
+<file path=ppt/slides/slide9.xml><?xml version="1.0" encoding="utf-8"?>
 <p:sld xmlns:a="http://schemas.openxmlformats.org/drawingml/2006/main" xmlns:r="http://schemas.openxmlformats.org/officeDocument/2006/relationships" xmlns:p="http://schemas.openxmlformats.org/presentationml/2006/main">
   <p:cSld>
     <p:spTree>
@@ -7239,7 +8281,7 @@
         </p:blipFill>
         <p:spPr bwMode="auto">
           <a:xfrm>
-            <a:off x="538604" y="1483666"/>
+            <a:off x="1195552" y="1469512"/>
             <a:ext cx="8337887" cy="4821227"/>
           </a:xfrm>
           <a:prstGeom prst="rect">
@@ -7274,214 +8316,6 @@
     <p:extLst>
       <p:ext uri="{BB962C8B-B14F-4D97-AF65-F5344CB8AC3E}">
         <p14:creationId xmlns:p14="http://schemas.microsoft.com/office/powerpoint/2010/main" val="603051588"/>
-      </p:ext>
-    </p:extLst>
-  </p:cSld>
-  <p:clrMapOvr>
-    <a:masterClrMapping/>
-  </p:clrMapOvr>
-</p:sld>
-</file>
-
-<file path=ppt/slides/slide8.xml><?xml version="1.0" encoding="utf-8"?>
-<p:sld xmlns:a="http://schemas.openxmlformats.org/drawingml/2006/main" xmlns:r="http://schemas.openxmlformats.org/officeDocument/2006/relationships" xmlns:p="http://schemas.openxmlformats.org/presentationml/2006/main">
-  <p:cSld>
-    <p:spTree>
-      <p:nvGrpSpPr>
-        <p:cNvPr id="1" name=""/>
-        <p:cNvGrpSpPr/>
-        <p:nvPr/>
-      </p:nvGrpSpPr>
-      <p:grpSpPr>
-        <a:xfrm>
-          <a:off x="0" y="0"/>
-          <a:ext cx="0" cy="0"/>
-          <a:chOff x="0" y="0"/>
-          <a:chExt cx="0" cy="0"/>
-        </a:xfrm>
-      </p:grpSpPr>
-      <p:sp>
-        <p:nvSpPr>
-          <p:cNvPr id="2" name="標題 1">
-            <a:extLst>
-              <a:ext uri="{FF2B5EF4-FFF2-40B4-BE49-F238E27FC236}">
-                <a16:creationId xmlns:a16="http://schemas.microsoft.com/office/drawing/2014/main" id="{96EBC39E-A159-4CA2-AC66-28424709B672}"/>
-              </a:ext>
-            </a:extLst>
-          </p:cNvPr>
-          <p:cNvSpPr>
-            <a:spLocks noGrp="1"/>
-          </p:cNvSpPr>
-          <p:nvPr>
-            <p:ph type="title"/>
-          </p:nvPr>
-        </p:nvSpPr>
-        <p:spPr/>
-        <p:txBody>
-          <a:bodyPr/>
-          <a:lstStyle/>
-          <a:p>
-            <a:r>
-              <a:rPr lang="zh-TW" altLang="en-US" dirty="0"/>
-              <a:t>               </a:t>
-            </a:r>
-            <a:r>
-              <a:rPr lang="en-US" altLang="zh-TW" dirty="0"/>
-              <a:t>Resource Required</a:t>
-            </a:r>
-            <a:endParaRPr lang="zh-TW" altLang="en-US" dirty="0"/>
-          </a:p>
-        </p:txBody>
-      </p:sp>
-      <p:sp>
-        <p:nvSpPr>
-          <p:cNvPr id="3" name="內容版面配置區 2">
-            <a:extLst>
-              <a:ext uri="{FF2B5EF4-FFF2-40B4-BE49-F238E27FC236}">
-                <a16:creationId xmlns:a16="http://schemas.microsoft.com/office/drawing/2014/main" id="{40DC44A0-361A-4F24-9EFD-E06FC621358E}"/>
-              </a:ext>
-            </a:extLst>
-          </p:cNvPr>
-          <p:cNvSpPr>
-            <a:spLocks noGrp="1"/>
-          </p:cNvSpPr>
-          <p:nvPr>
-            <p:ph idx="1"/>
-          </p:nvPr>
-        </p:nvSpPr>
-        <p:spPr/>
-        <p:txBody>
-          <a:bodyPr>
-            <a:normAutofit/>
-          </a:bodyPr>
-          <a:lstStyle/>
-          <a:p>
-            <a:r>
-              <a:rPr lang="zh-TW" altLang="en-US" sz="2800" b="1" dirty="0">
-                <a:latin typeface="+mj-ea"/>
-                <a:ea typeface="+mj-ea"/>
-              </a:rPr>
-              <a:t>工具</a:t>
-            </a:r>
-            <a:endParaRPr lang="en-US" altLang="zh-TW" sz="2800" b="1" dirty="0">
-              <a:latin typeface="+mj-ea"/>
-              <a:ea typeface="+mj-ea"/>
-            </a:endParaRPr>
-          </a:p>
-          <a:p>
-            <a:endParaRPr lang="en-US" altLang="zh-TW" sz="2800" b="1" dirty="0">
-              <a:latin typeface="+mj-ea"/>
-              <a:ea typeface="+mj-ea"/>
-            </a:endParaRPr>
-          </a:p>
-          <a:p>
-            <a:pPr marL="0" indent="0">
-              <a:buNone/>
-            </a:pPr>
-            <a:endParaRPr lang="en-US" altLang="zh-TW" sz="2800" b="1" dirty="0">
-              <a:latin typeface="+mj-ea"/>
-              <a:ea typeface="+mj-ea"/>
-            </a:endParaRPr>
-          </a:p>
-          <a:p>
-            <a:r>
-              <a:rPr lang="zh-TW" altLang="en-US" sz="2800" b="1" dirty="0">
-                <a:latin typeface="+mj-ea"/>
-                <a:ea typeface="+mj-ea"/>
-              </a:rPr>
-              <a:t>人員分配</a:t>
-            </a:r>
-            <a:endParaRPr lang="en-US" altLang="zh-TW" sz="2800" b="1" dirty="0">
-              <a:latin typeface="+mj-ea"/>
-              <a:ea typeface="+mj-ea"/>
-            </a:endParaRPr>
-          </a:p>
-        </p:txBody>
-      </p:sp>
-    </p:spTree>
-    <p:extLst>
-      <p:ext uri="{BB962C8B-B14F-4D97-AF65-F5344CB8AC3E}">
-        <p14:creationId xmlns:p14="http://schemas.microsoft.com/office/powerpoint/2010/main" val="2485991531"/>
-      </p:ext>
-    </p:extLst>
-  </p:cSld>
-  <p:clrMapOvr>
-    <a:masterClrMapping/>
-  </p:clrMapOvr>
-</p:sld>
-</file>
-
-<file path=ppt/slides/slide9.xml><?xml version="1.0" encoding="utf-8"?>
-<p:sld xmlns:a="http://schemas.openxmlformats.org/drawingml/2006/main" xmlns:r="http://schemas.openxmlformats.org/officeDocument/2006/relationships" xmlns:p="http://schemas.openxmlformats.org/presentationml/2006/main">
-  <p:cSld>
-    <p:spTree>
-      <p:nvGrpSpPr>
-        <p:cNvPr id="1" name=""/>
-        <p:cNvGrpSpPr/>
-        <p:nvPr/>
-      </p:nvGrpSpPr>
-      <p:grpSpPr>
-        <a:xfrm>
-          <a:off x="0" y="0"/>
-          <a:ext cx="0" cy="0"/>
-          <a:chOff x="0" y="0"/>
-          <a:chExt cx="0" cy="0"/>
-        </a:xfrm>
-      </p:grpSpPr>
-      <p:sp>
-        <p:nvSpPr>
-          <p:cNvPr id="2" name="標題 1">
-            <a:extLst>
-              <a:ext uri="{FF2B5EF4-FFF2-40B4-BE49-F238E27FC236}">
-                <a16:creationId xmlns:a16="http://schemas.microsoft.com/office/drawing/2014/main" id="{864D5A15-5EE1-40BC-B33C-FD294AD82ABE}"/>
-              </a:ext>
-            </a:extLst>
-          </p:cNvPr>
-          <p:cNvSpPr>
-            <a:spLocks noGrp="1"/>
-          </p:cNvSpPr>
-          <p:nvPr>
-            <p:ph type="title"/>
-          </p:nvPr>
-        </p:nvSpPr>
-        <p:spPr/>
-        <p:txBody>
-          <a:bodyPr/>
-          <a:lstStyle/>
-          <a:p>
-            <a:endParaRPr lang="zh-TW" altLang="en-US"/>
-          </a:p>
-        </p:txBody>
-      </p:sp>
-      <p:sp>
-        <p:nvSpPr>
-          <p:cNvPr id="3" name="內容版面配置區 2">
-            <a:extLst>
-              <a:ext uri="{FF2B5EF4-FFF2-40B4-BE49-F238E27FC236}">
-                <a16:creationId xmlns:a16="http://schemas.microsoft.com/office/drawing/2014/main" id="{B02CE70D-CD6B-4A9C-84E2-E4DB0412A3CC}"/>
-              </a:ext>
-            </a:extLst>
-          </p:cNvPr>
-          <p:cNvSpPr>
-            <a:spLocks noGrp="1"/>
-          </p:cNvSpPr>
-          <p:nvPr>
-            <p:ph idx="1"/>
-          </p:nvPr>
-        </p:nvSpPr>
-        <p:spPr/>
-        <p:txBody>
-          <a:bodyPr/>
-          <a:lstStyle/>
-          <a:p>
-            <a:endParaRPr lang="zh-TW" altLang="en-US"/>
-          </a:p>
-        </p:txBody>
-      </p:sp>
-    </p:spTree>
-    <p:extLst>
-      <p:ext uri="{BB962C8B-B14F-4D97-AF65-F5344CB8AC3E}">
-        <p14:creationId xmlns:p14="http://schemas.microsoft.com/office/powerpoint/2010/main" val="1744987218"/>
       </p:ext>
     </p:extLst>
   </p:cSld>

--- a/軟工期中v2.pptx
+++ b/軟工期中v2.pptx
@@ -5926,7 +5926,7 @@
           <a:p>
             <a:pPr algn="l"/>
             <a:r>
-              <a:rPr lang="zh-TW" altLang="en-US" b="1" dirty="0">
+              <a:rPr lang="zh-TW" altLang="en-US" sz="2000" b="1" dirty="0">
                 <a:solidFill>
                   <a:schemeClr val="tx2">
                     <a:lumMod val="60000"/>
@@ -5937,7 +5937,7 @@
               <a:t>組別</a:t>
             </a:r>
             <a:r>
-              <a:rPr lang="en-US" altLang="zh-TW" b="1" dirty="0">
+              <a:rPr lang="en-US" altLang="zh-TW" sz="2000" b="1" dirty="0">
                 <a:solidFill>
                   <a:schemeClr val="tx2">
                     <a:lumMod val="60000"/>
@@ -5948,7 +5948,7 @@
               <a:t>:</a:t>
             </a:r>
             <a:r>
-              <a:rPr lang="zh-TW" altLang="en-US" b="1" dirty="0">
+              <a:rPr lang="zh-TW" altLang="en-US" sz="2000" b="1" dirty="0">
                 <a:solidFill>
                   <a:schemeClr val="tx2">
                     <a:lumMod val="60000"/>
@@ -5958,7 +5958,7 @@
               </a:rPr>
               <a:t>第十組</a:t>
             </a:r>
-            <a:endParaRPr lang="en-US" altLang="zh-TW" b="1" dirty="0">
+            <a:endParaRPr lang="en-US" altLang="zh-TW" sz="2000" b="1" dirty="0">
               <a:solidFill>
                 <a:schemeClr val="tx2">
                   <a:lumMod val="60000"/>
@@ -5970,7 +5970,7 @@
           <a:p>
             <a:pPr algn="l"/>
             <a:r>
-              <a:rPr lang="zh-TW" altLang="en-US" b="1" dirty="0">
+              <a:rPr lang="zh-TW" altLang="en-US" sz="2000" b="1" dirty="0">
                 <a:solidFill>
                   <a:schemeClr val="tx2">
                     <a:lumMod val="60000"/>
@@ -5981,7 +5981,7 @@
               <a:t>組員</a:t>
             </a:r>
             <a:r>
-              <a:rPr lang="en-US" altLang="zh-TW" b="1" dirty="0">
+              <a:rPr lang="en-US" altLang="zh-TW" sz="2000" b="1" dirty="0">
                 <a:solidFill>
                   <a:schemeClr val="tx2">
                     <a:lumMod val="60000"/>
@@ -5992,7 +5992,7 @@
               <a:t>:</a:t>
             </a:r>
             <a:r>
-              <a:rPr lang="zh-TW" altLang="en-US" b="1" dirty="0">
+              <a:rPr lang="zh-TW" altLang="en-US" sz="2000" b="1" dirty="0">
                 <a:solidFill>
                   <a:schemeClr val="tx2">
                     <a:lumMod val="60000"/>
@@ -6002,7 +6002,7 @@
               </a:rPr>
               <a:t>林琬盈</a:t>
             </a:r>
-            <a:endParaRPr lang="en-US" altLang="zh-TW" b="1" dirty="0">
+            <a:endParaRPr lang="en-US" altLang="zh-TW" sz="2000" b="1" dirty="0">
               <a:solidFill>
                 <a:schemeClr val="tx2">
                   <a:lumMod val="60000"/>
@@ -6014,7 +6014,7 @@
           <a:p>
             <a:pPr algn="l"/>
             <a:r>
-              <a:rPr lang="zh-TW" altLang="en-US" b="1" dirty="0">
+              <a:rPr lang="zh-TW" altLang="en-US" sz="2000" b="1" dirty="0">
                 <a:solidFill>
                   <a:schemeClr val="tx2">
                     <a:lumMod val="60000"/>
@@ -6024,7 +6024,7 @@
               </a:rPr>
               <a:t>        邱湘婷</a:t>
             </a:r>
-            <a:endParaRPr lang="en-US" altLang="zh-TW" b="1" dirty="0">
+            <a:endParaRPr lang="en-US" altLang="zh-TW" sz="2000" b="1" dirty="0">
               <a:solidFill>
                 <a:schemeClr val="tx2">
                   <a:lumMod val="60000"/>
@@ -6036,7 +6036,7 @@
           <a:p>
             <a:pPr algn="l"/>
             <a:r>
-              <a:rPr lang="zh-TW" altLang="en-US" b="1" dirty="0">
+              <a:rPr lang="zh-TW" altLang="en-US" sz="2000" b="1" dirty="0">
                 <a:solidFill>
                   <a:schemeClr val="tx2">
                     <a:lumMod val="60000"/>

--- a/軟工期中v2.pptx
+++ b/軟工期中v2.pptx
@@ -6128,7 +6128,12 @@
             <p:ph idx="1"/>
           </p:nvPr>
         </p:nvSpPr>
-        <p:spPr/>
+        <p:spPr>
+          <a:xfrm>
+            <a:off x="677334" y="1840993"/>
+            <a:ext cx="8596668" cy="3880773"/>
+          </a:xfrm>
+        </p:spPr>
         <p:txBody>
           <a:bodyPr>
             <a:normAutofit/>
@@ -6152,11 +6157,156 @@
               <a:buNone/>
             </a:pPr>
             <a:r>
+              <a:rPr lang="zh-TW" altLang="en-US" sz="2600" b="1" dirty="0">
+                <a:latin typeface="+mj-ea"/>
+                <a:ea typeface="+mj-ea"/>
+              </a:rPr>
+              <a:t>程式開發軟體 </a:t>
+            </a:r>
+            <a:r>
               <a:rPr lang="en-US" altLang="zh-TW" sz="2600" b="1" dirty="0">
                 <a:latin typeface="+mj-ea"/>
                 <a:ea typeface="+mj-ea"/>
               </a:rPr>
-              <a:t>Swift, MySQL</a:t>
+              <a:t>:</a:t>
+            </a:r>
+            <a:r>
+              <a:rPr lang="zh-TW" altLang="en-US" sz="2600" b="1" dirty="0">
+                <a:latin typeface="+mj-ea"/>
+                <a:ea typeface="+mj-ea"/>
+              </a:rPr>
+              <a:t> </a:t>
+            </a:r>
+            <a:r>
+              <a:rPr lang="en-US" altLang="zh-TW" sz="2600" b="1" dirty="0" err="1">
+                <a:latin typeface="+mj-ea"/>
+                <a:ea typeface="+mj-ea"/>
+              </a:rPr>
+              <a:t>Xcode</a:t>
+            </a:r>
+            <a:endParaRPr lang="en-US" altLang="zh-TW" sz="2600" b="1" dirty="0">
+              <a:latin typeface="+mj-ea"/>
+              <a:ea typeface="+mj-ea"/>
+            </a:endParaRPr>
+          </a:p>
+          <a:p>
+            <a:pPr marL="400050" lvl="1" indent="0">
+              <a:buNone/>
+            </a:pPr>
+            <a:r>
+              <a:rPr lang="zh-TW" altLang="en-US" sz="2600" b="1" dirty="0">
+                <a:latin typeface="+mj-ea"/>
+                <a:ea typeface="+mj-ea"/>
+              </a:rPr>
+              <a:t>程式語言 </a:t>
+            </a:r>
+            <a:r>
+              <a:rPr lang="en-US" altLang="zh-TW" sz="2600" b="1" dirty="0">
+                <a:latin typeface="+mj-ea"/>
+                <a:ea typeface="+mj-ea"/>
+              </a:rPr>
+              <a:t>:</a:t>
+            </a:r>
+            <a:r>
+              <a:rPr lang="zh-TW" altLang="en-US" sz="2600" b="1" dirty="0">
+                <a:latin typeface="+mj-ea"/>
+                <a:ea typeface="+mj-ea"/>
+              </a:rPr>
+              <a:t> </a:t>
+            </a:r>
+            <a:r>
+              <a:rPr lang="en-US" altLang="zh-TW" sz="2600" b="1" dirty="0">
+                <a:latin typeface="+mj-ea"/>
+                <a:ea typeface="+mj-ea"/>
+              </a:rPr>
+              <a:t>Swift</a:t>
+            </a:r>
+          </a:p>
+          <a:p>
+            <a:pPr marL="400050" lvl="1" indent="0">
+              <a:buNone/>
+            </a:pPr>
+            <a:r>
+              <a:rPr lang="zh-TW" altLang="en-US" sz="2600" b="1" dirty="0">
+                <a:latin typeface="+mj-ea"/>
+                <a:ea typeface="+mj-ea"/>
+              </a:rPr>
+              <a:t>資料庫 </a:t>
+            </a:r>
+            <a:r>
+              <a:rPr lang="en-US" altLang="zh-TW" sz="2600" b="1" dirty="0">
+                <a:latin typeface="+mj-ea"/>
+                <a:ea typeface="+mj-ea"/>
+              </a:rPr>
+              <a:t>:</a:t>
+            </a:r>
+            <a:r>
+              <a:rPr lang="zh-TW" altLang="en-US" sz="2600" b="1" dirty="0">
+                <a:latin typeface="+mj-ea"/>
+                <a:ea typeface="+mj-ea"/>
+              </a:rPr>
+              <a:t> </a:t>
+            </a:r>
+            <a:r>
+              <a:rPr lang="en-US" altLang="zh-TW" sz="2600" b="1" dirty="0">
+                <a:latin typeface="+mj-ea"/>
+                <a:ea typeface="+mj-ea"/>
+              </a:rPr>
+              <a:t>MySQL</a:t>
+            </a:r>
+          </a:p>
+          <a:p>
+            <a:pPr marL="400050" lvl="1" indent="0">
+              <a:buNone/>
+            </a:pPr>
+            <a:r>
+              <a:rPr lang="zh-TW" altLang="en-US" sz="2600" b="1" dirty="0">
+                <a:latin typeface="+mj-ea"/>
+                <a:ea typeface="+mj-ea"/>
+              </a:rPr>
+              <a:t>測試用裝置 </a:t>
+            </a:r>
+            <a:r>
+              <a:rPr lang="en-US" altLang="zh-TW" sz="2600" b="1" dirty="0">
+                <a:latin typeface="+mj-ea"/>
+                <a:ea typeface="+mj-ea"/>
+              </a:rPr>
+              <a:t>:</a:t>
+            </a:r>
+            <a:r>
+              <a:rPr lang="zh-TW" altLang="en-US" sz="2600" b="1" dirty="0">
+                <a:latin typeface="+mj-ea"/>
+                <a:ea typeface="+mj-ea"/>
+              </a:rPr>
+              <a:t> </a:t>
+            </a:r>
+            <a:r>
+              <a:rPr lang="en-US" altLang="zh-TW" sz="2600" b="1" dirty="0" err="1">
+                <a:latin typeface="+mj-ea"/>
+                <a:ea typeface="+mj-ea"/>
+              </a:rPr>
+              <a:t>Iphone</a:t>
+            </a:r>
+            <a:r>
+              <a:rPr lang="en-US" altLang="zh-TW" sz="2600" b="1" dirty="0">
+                <a:latin typeface="+mj-ea"/>
+                <a:ea typeface="+mj-ea"/>
+              </a:rPr>
+              <a:t> X (</a:t>
+            </a:r>
+            <a:r>
+              <a:rPr lang="en-US" altLang="zh-TW" sz="2600" b="1" dirty="0" err="1">
+                <a:latin typeface="+mj-ea"/>
+                <a:ea typeface="+mj-ea"/>
+              </a:rPr>
+              <a:t>ios</a:t>
+            </a:r>
+            <a:r>
+              <a:rPr lang="en-US" altLang="zh-TW" sz="2600" b="1" dirty="0">
+                <a:latin typeface="+mj-ea"/>
+                <a:ea typeface="+mj-ea"/>
+              </a:rPr>
+              <a:t> 12)</a:t>
             </a:r>
           </a:p>
           <a:p>
@@ -6196,6 +6346,32 @@
                 <a:ea typeface="+mj-ea"/>
               </a:rPr>
               <a:t>設計</a:t>
+            </a:r>
+            <a:r>
+              <a:rPr lang="en-US" altLang="zh-TW" sz="2600" b="1" dirty="0">
+                <a:latin typeface="+mj-ea"/>
+              </a:rPr>
+              <a:t>、</a:t>
+            </a:r>
+            <a:r>
+              <a:rPr lang="zh-TW" altLang="en-US" sz="2600" b="1" dirty="0">
+                <a:latin typeface="+mj-ea"/>
+              </a:rPr>
+              <a:t>資料蒐集</a:t>
+            </a:r>
+            <a:r>
+              <a:rPr lang="en-US" altLang="zh-TW" sz="2600" b="1" dirty="0">
+                <a:latin typeface="+mj-ea"/>
+                <a:ea typeface="+mj-ea"/>
+              </a:rPr>
+              <a:t>、</a:t>
+            </a:r>
+            <a:r>
+              <a:rPr lang="zh-TW" altLang="en-US" sz="2600" b="1" dirty="0">
+                <a:latin typeface="+mj-ea"/>
+                <a:ea typeface="+mj-ea"/>
+              </a:rPr>
+              <a:t>資料維護</a:t>
             </a:r>
             <a:endParaRPr lang="en-US" altLang="zh-TW" sz="2600" b="1" dirty="0">
               <a:latin typeface="+mj-ea"/>
@@ -7190,14 +7366,14 @@
             <p:ph idx="1"/>
             <p:extLst>
               <p:ext uri="{D42A27DB-BD31-4B8C-83A1-F6EECF244321}">
-                <p14:modId xmlns:p14="http://schemas.microsoft.com/office/powerpoint/2010/main" val="1751693130"/>
+                <p14:modId xmlns:p14="http://schemas.microsoft.com/office/powerpoint/2010/main" val="4288739035"/>
               </p:ext>
             </p:extLst>
           </p:nvPr>
         </p:nvGraphicFramePr>
         <p:xfrm>
-          <a:off x="949911" y="1311675"/>
-          <a:ext cx="9135122" cy="4937760"/>
+          <a:off x="932155" y="1092446"/>
+          <a:ext cx="9117367" cy="5486400"/>
         </p:xfrm>
         <a:graphic>
           <a:graphicData uri="http://schemas.openxmlformats.org/drawingml/2006/table">
@@ -7206,7 +7382,7 @@
                 <a:tableStyleId>{5C22544A-7EE6-4342-B048-85BDC9FD1C3A}</a:tableStyleId>
               </a:tblPr>
               <a:tblGrid>
-                <a:gridCol w="1717978">
+                <a:gridCol w="1700223">
                   <a:extLst>
                     <a:ext uri="{9D8B030D-6E8A-4147-A177-3AD203B41FA5}">
                       <a16:colId xmlns:a16="http://schemas.microsoft.com/office/drawing/2014/main" val="277127435"/>
@@ -7240,12 +7416,12 @@
                         </a:spcAft>
                       </a:pPr>
                       <a:r>
-                        <a:rPr lang="zh-TW" sz="1800" kern="100" dirty="0">
+                        <a:rPr lang="zh-TW" sz="2000" kern="100" dirty="0">
                           <a:effectLst/>
                         </a:rPr>
                         <a:t>功能項目</a:t>
                       </a:r>
-                      <a:endParaRPr lang="zh-TW" sz="1800" kern="100" dirty="0">
+                      <a:endParaRPr lang="zh-TW" sz="2000" kern="100" dirty="0">
                         <a:effectLst/>
                         <a:latin typeface="Times New Roman" panose="02020603050405020304" pitchFamily="18" charset="0"/>
                         <a:ea typeface="新細明體" panose="02020500000000000000" pitchFamily="18" charset="-120"/>
@@ -7265,12 +7441,12 @@
                         </a:spcAft>
                       </a:pPr>
                       <a:r>
-                        <a:rPr lang="zh-TW" sz="1800" kern="100">
+                        <a:rPr lang="zh-TW" sz="2000" kern="100">
                           <a:effectLst/>
                         </a:rPr>
                         <a:t>功能項目操作</a:t>
                       </a:r>
-                      <a:endParaRPr lang="zh-TW" sz="1800" kern="100">
+                      <a:endParaRPr lang="zh-TW" sz="2000" kern="100">
                         <a:effectLst/>
                         <a:latin typeface="Times New Roman" panose="02020603050405020304" pitchFamily="18" charset="0"/>
                         <a:ea typeface="新細明體" panose="02020500000000000000" pitchFamily="18" charset="-120"/>
@@ -7290,12 +7466,12 @@
                         </a:spcAft>
                       </a:pPr>
                       <a:r>
-                        <a:rPr lang="zh-TW" sz="1800" kern="100" dirty="0">
+                        <a:rPr lang="zh-TW" sz="2000" kern="100" dirty="0">
                           <a:effectLst/>
                         </a:rPr>
                         <a:t>說明</a:t>
                       </a:r>
-                      <a:endParaRPr lang="zh-TW" sz="1800" kern="100" dirty="0">
+                      <a:endParaRPr lang="zh-TW" sz="2000" kern="100" dirty="0">
                         <a:effectLst/>
                         <a:latin typeface="Times New Roman" panose="02020603050405020304" pitchFamily="18" charset="0"/>
                         <a:ea typeface="新細明體" panose="02020500000000000000" pitchFamily="18" charset="-120"/>
@@ -7311,7 +7487,7 @@
                 </a:extLst>
               </a:tr>
               <a:tr h="233876">
-                <a:tc rowSpan="6">
+                <a:tc rowSpan="5">
                   <a:txBody>
                     <a:bodyPr/>
                     <a:lstStyle/>
@@ -7322,12 +7498,12 @@
                         </a:spcAft>
                       </a:pPr>
                       <a:r>
-                        <a:rPr lang="zh-TW" sz="1800" kern="100" dirty="0">
+                        <a:rPr lang="zh-TW" sz="2000" kern="100" dirty="0">
                           <a:effectLst/>
                         </a:rPr>
                         <a:t>導航</a:t>
                       </a:r>
-                      <a:endParaRPr lang="zh-TW" sz="1800" kern="100" dirty="0">
+                      <a:endParaRPr lang="zh-TW" sz="2000" kern="100" dirty="0">
                         <a:effectLst/>
                         <a:latin typeface="Times New Roman" panose="02020603050405020304" pitchFamily="18" charset="0"/>
                         <a:ea typeface="新細明體" panose="02020500000000000000" pitchFamily="18" charset="-120"/>
@@ -7347,12 +7523,12 @@
                         </a:spcAft>
                       </a:pPr>
                       <a:r>
-                        <a:rPr lang="zh-TW" sz="1800" kern="100">
+                        <a:rPr lang="zh-TW" sz="2000" kern="100">
                           <a:effectLst/>
                         </a:rPr>
                         <a:t>定位</a:t>
                       </a:r>
-                      <a:endParaRPr lang="zh-TW" sz="1800" kern="100">
+                      <a:endParaRPr lang="zh-TW" sz="2000" kern="100">
                         <a:effectLst/>
                         <a:latin typeface="Times New Roman" panose="02020603050405020304" pitchFamily="18" charset="0"/>
                         <a:ea typeface="新細明體" panose="02020500000000000000" pitchFamily="18" charset="-120"/>
@@ -7372,12 +7548,12 @@
                         </a:spcAft>
                       </a:pPr>
                       <a:r>
-                        <a:rPr lang="zh-TW" sz="1800" kern="100">
+                        <a:rPr lang="zh-TW" sz="2000" kern="100">
                           <a:effectLst/>
                         </a:rPr>
                         <a:t>顯示用戶地理位置。</a:t>
                       </a:r>
-                      <a:endParaRPr lang="zh-TW" sz="1800" kern="100">
+                      <a:endParaRPr lang="zh-TW" sz="2000" kern="100">
                         <a:effectLst/>
                         <a:latin typeface="Times New Roman" panose="02020603050405020304" pitchFamily="18" charset="0"/>
                         <a:ea typeface="新細明體" panose="02020500000000000000" pitchFamily="18" charset="-120"/>
@@ -7414,12 +7590,12 @@
                         </a:spcAft>
                       </a:pPr>
                       <a:r>
-                        <a:rPr lang="zh-TW" sz="1800" kern="100" dirty="0">
+                        <a:rPr lang="zh-TW" sz="2000" kern="100" dirty="0">
                           <a:effectLst/>
                         </a:rPr>
                         <a:t>搜尋</a:t>
                       </a:r>
-                      <a:endParaRPr lang="zh-TW" sz="1800" kern="100" dirty="0">
+                      <a:endParaRPr lang="zh-TW" sz="2000" kern="100" dirty="0">
                         <a:effectLst/>
                         <a:latin typeface="Times New Roman" panose="02020603050405020304" pitchFamily="18" charset="0"/>
                         <a:ea typeface="新細明體" panose="02020500000000000000" pitchFamily="18" charset="-120"/>
@@ -7439,36 +7615,36 @@
                         </a:spcAft>
                       </a:pPr>
                       <a:r>
-                        <a:rPr lang="zh-TW" sz="1800" kern="100">
+                        <a:rPr lang="zh-TW" sz="2000" kern="100">
                           <a:effectLst/>
                         </a:rPr>
                         <a:t>使用者可以透過教室名稱或編號</a:t>
                       </a:r>
                       <a:r>
-                        <a:rPr lang="en-US" sz="1800" kern="100">
+                        <a:rPr lang="en-US" sz="2000" kern="100">
                           <a:effectLst/>
                         </a:rPr>
                         <a:t>(</a:t>
                       </a:r>
                       <a:r>
-                        <a:rPr lang="zh-TW" sz="1800" kern="100">
+                        <a:rPr lang="zh-TW" sz="2000" kern="100">
                           <a:effectLst/>
                         </a:rPr>
                         <a:t>例如：電通系辦公室或</a:t>
                       </a:r>
                       <a:r>
-                        <a:rPr lang="en-US" sz="1800" kern="100">
+                        <a:rPr lang="en-US" sz="2000" kern="100">
                           <a:effectLst/>
                         </a:rPr>
                         <a:t>F331)</a:t>
                       </a:r>
                       <a:r>
-                        <a:rPr lang="zh-TW" sz="1800" kern="100">
+                        <a:rPr lang="zh-TW" sz="2000" kern="100">
                           <a:effectLst/>
                         </a:rPr>
                         <a:t>搜尋目的地。</a:t>
                       </a:r>
-                      <a:endParaRPr lang="zh-TW" sz="1800" kern="100">
+                      <a:endParaRPr lang="zh-TW" sz="2000" kern="100">
                         <a:effectLst/>
                         <a:latin typeface="Times New Roman" panose="02020603050405020304" pitchFamily="18" charset="0"/>
                         <a:ea typeface="新細明體" panose="02020500000000000000" pitchFamily="18" charset="-120"/>
@@ -7505,12 +7681,12 @@
                         </a:spcAft>
                       </a:pPr>
                       <a:r>
-                        <a:rPr lang="zh-TW" sz="1800" kern="100" dirty="0">
+                        <a:rPr lang="zh-TW" sz="2000" kern="100" dirty="0">
                           <a:effectLst/>
                         </a:rPr>
                         <a:t>規劃路線</a:t>
                       </a:r>
-                      <a:endParaRPr lang="zh-TW" sz="1800" kern="100" dirty="0">
+                      <a:endParaRPr lang="zh-TW" sz="2000" kern="100" dirty="0">
                         <a:effectLst/>
                         <a:latin typeface="Times New Roman" panose="02020603050405020304" pitchFamily="18" charset="0"/>
                         <a:ea typeface="新細明體" panose="02020500000000000000" pitchFamily="18" charset="-120"/>
@@ -7530,12 +7706,12 @@
                         </a:spcAft>
                       </a:pPr>
                       <a:r>
-                        <a:rPr lang="zh-TW" sz="1800" kern="100">
+                        <a:rPr lang="zh-TW" sz="2000" kern="100">
                           <a:effectLst/>
                         </a:rPr>
                         <a:t>為使用者規劃由使用者位置到目的地的適當路線。</a:t>
                       </a:r>
-                      <a:endParaRPr lang="zh-TW" sz="1800" kern="100">
+                      <a:endParaRPr lang="zh-TW" sz="2000" kern="100">
                         <a:effectLst/>
                         <a:latin typeface="Times New Roman" panose="02020603050405020304" pitchFamily="18" charset="0"/>
                         <a:ea typeface="新細明體" panose="02020500000000000000" pitchFamily="18" charset="-120"/>
@@ -7572,12 +7748,12 @@
                         </a:spcAft>
                       </a:pPr>
                       <a:r>
-                        <a:rPr lang="zh-TW" sz="1800" kern="100" dirty="0">
+                        <a:rPr lang="zh-TW" sz="2000" kern="100" dirty="0">
                           <a:effectLst/>
                         </a:rPr>
                         <a:t>查詢教室管理單位</a:t>
                       </a:r>
-                      <a:endParaRPr lang="zh-TW" sz="1800" kern="100" dirty="0">
+                      <a:endParaRPr lang="zh-TW" sz="2000" kern="100" dirty="0">
                         <a:effectLst/>
                         <a:latin typeface="Times New Roman" panose="02020603050405020304" pitchFamily="18" charset="0"/>
                         <a:ea typeface="新細明體" panose="02020500000000000000" pitchFamily="18" charset="-120"/>
@@ -7597,12 +7773,12 @@
                         </a:spcAft>
                       </a:pPr>
                       <a:r>
-                        <a:rPr lang="zh-TW" sz="1800" kern="100" dirty="0">
+                        <a:rPr lang="zh-TW" sz="2000" kern="100" dirty="0">
                           <a:effectLst/>
                         </a:rPr>
                         <a:t>提供使用者查詢該教室負責管理的單位及該單位的辦公時間，以利使用者借用鑰匙或報修。</a:t>
                       </a:r>
-                      <a:endParaRPr lang="zh-TW" sz="1800" kern="100" dirty="0">
+                      <a:endParaRPr lang="zh-TW" sz="2000" kern="100" dirty="0">
                         <a:effectLst/>
                         <a:latin typeface="Times New Roman" panose="02020603050405020304" pitchFamily="18" charset="0"/>
                         <a:ea typeface="新細明體" panose="02020500000000000000" pitchFamily="18" charset="-120"/>
@@ -7639,18 +7815,12 @@
                         </a:spcAft>
                       </a:pPr>
                       <a:r>
-                        <a:rPr lang="en-US" sz="1800" kern="100" dirty="0">
+                        <a:rPr lang="zh-TW" sz="2000" kern="100" dirty="0">
                           <a:effectLst/>
                         </a:rPr>
-                        <a:t>//</a:t>
+                        <a:t>快速導覽</a:t>
                       </a:r>
-                      <a:r>
-                        <a:rPr lang="zh-TW" sz="1800" kern="100" dirty="0">
-                          <a:effectLst/>
-                        </a:rPr>
-                        <a:t>分享位置訊息</a:t>
-                      </a:r>
-                      <a:endParaRPr lang="zh-TW" sz="1800" kern="100" dirty="0">
+                      <a:endParaRPr lang="zh-TW" sz="2000" kern="100" dirty="0">
                         <a:effectLst/>
                         <a:latin typeface="Times New Roman" panose="02020603050405020304" pitchFamily="18" charset="0"/>
                         <a:ea typeface="新細明體" panose="02020500000000000000" pitchFamily="18" charset="-120"/>
@@ -7670,79 +7840,12 @@
                         </a:spcAft>
                       </a:pPr>
                       <a:r>
-                        <a:rPr lang="zh-TW" sz="1800" kern="100" dirty="0">
-                          <a:effectLst/>
-                        </a:rPr>
-                        <a:t>使用者可以將自己的位置分享給特定用戶，讓對方可以快速的找到找到自己所在的位置。</a:t>
-                      </a:r>
-                      <a:endParaRPr lang="zh-TW" sz="1800" kern="100" dirty="0">
-                        <a:effectLst/>
-                        <a:latin typeface="Times New Roman" panose="02020603050405020304" pitchFamily="18" charset="0"/>
-                        <a:ea typeface="新細明體" panose="02020500000000000000" pitchFamily="18" charset="-120"/>
-                      </a:endParaRPr>
-                    </a:p>
-                  </a:txBody>
-                  <a:tcPr marL="68580" marR="68580" marT="0" marB="0"/>
-                </a:tc>
-                <a:extLst>
-                  <a:ext uri="{0D108BD9-81ED-4DB2-BD59-A6C34878D82A}">
-                    <a16:rowId xmlns:a16="http://schemas.microsoft.com/office/drawing/2014/main" val="29665507"/>
-                  </a:ext>
-                </a:extLst>
-              </a:tr>
-              <a:tr h="467752">
-                <a:tc vMerge="1">
-                  <a:txBody>
-                    <a:bodyPr/>
-                    <a:lstStyle/>
-                    <a:p>
-                      <a:endParaRPr lang="zh-TW" altLang="en-US"/>
-                    </a:p>
-                  </a:txBody>
-                  <a:tcPr/>
-                </a:tc>
-                <a:tc>
-                  <a:txBody>
-                    <a:bodyPr/>
-                    <a:lstStyle/>
-                    <a:p>
-                      <a:pPr>
-                        <a:spcAft>
-                          <a:spcPts val="0"/>
-                        </a:spcAft>
-                      </a:pPr>
-                      <a:r>
-                        <a:rPr lang="zh-TW" sz="1800" kern="100">
-                          <a:effectLst/>
-                        </a:rPr>
-                        <a:t>快速導覽</a:t>
-                      </a:r>
-                      <a:endParaRPr lang="zh-TW" sz="1800" kern="100">
-                        <a:effectLst/>
-                        <a:latin typeface="Times New Roman" panose="02020603050405020304" pitchFamily="18" charset="0"/>
-                        <a:ea typeface="新細明體" panose="02020500000000000000" pitchFamily="18" charset="-120"/>
-                      </a:endParaRPr>
-                    </a:p>
-                  </a:txBody>
-                  <a:tcPr marL="68580" marR="68580" marT="0" marB="0"/>
-                </a:tc>
-                <a:tc>
-                  <a:txBody>
-                    <a:bodyPr/>
-                    <a:lstStyle/>
-                    <a:p>
-                      <a:pPr>
-                        <a:spcAft>
-                          <a:spcPts val="0"/>
-                        </a:spcAft>
-                      </a:pPr>
-                      <a:r>
-                        <a:rPr lang="zh-TW" sz="1800" kern="100" dirty="0">
+                        <a:rPr lang="zh-TW" sz="2000" kern="100" dirty="0">
                           <a:effectLst/>
                         </a:rPr>
                         <a:t>提供餐廳、球場、宿舍、行政單位、教室、吸煙區等多個選項，使用者可以透過點擊選項顯示附近的地點。</a:t>
                       </a:r>
-                      <a:endParaRPr lang="zh-TW" sz="1800" kern="100" dirty="0">
+                      <a:endParaRPr lang="zh-TW" sz="2000" kern="100" dirty="0">
                         <a:effectLst/>
                         <a:latin typeface="Times New Roman" panose="02020603050405020304" pitchFamily="18" charset="0"/>
                         <a:ea typeface="新細明體" panose="02020500000000000000" pitchFamily="18" charset="-120"/>
@@ -7769,12 +7872,12 @@
                         </a:spcAft>
                       </a:pPr>
                       <a:r>
-                        <a:rPr lang="zh-TW" sz="1800" kern="100">
+                        <a:rPr lang="zh-TW" sz="2000" kern="100">
                           <a:effectLst/>
                         </a:rPr>
                         <a:t>紀錄</a:t>
                       </a:r>
-                      <a:endParaRPr lang="zh-TW" sz="1800" kern="100">
+                      <a:endParaRPr lang="zh-TW" sz="2000" kern="100">
                         <a:effectLst/>
                         <a:latin typeface="Times New Roman" panose="02020603050405020304" pitchFamily="18" charset="0"/>
                         <a:ea typeface="新細明體" panose="02020500000000000000" pitchFamily="18" charset="-120"/>
@@ -7794,12 +7897,12 @@
                         </a:spcAft>
                       </a:pPr>
                       <a:r>
-                        <a:rPr lang="zh-TW" sz="1800" kern="100">
+                        <a:rPr lang="zh-TW" sz="2000" kern="100">
                           <a:effectLst/>
                         </a:rPr>
                         <a:t>搜尋紀錄</a:t>
                       </a:r>
-                      <a:endParaRPr lang="zh-TW" sz="1800" kern="100">
+                      <a:endParaRPr lang="zh-TW" sz="2000" kern="100">
                         <a:effectLst/>
                         <a:latin typeface="Times New Roman" panose="02020603050405020304" pitchFamily="18" charset="0"/>
                         <a:ea typeface="新細明體" panose="02020500000000000000" pitchFamily="18" charset="-120"/>
@@ -7819,12 +7922,12 @@
                         </a:spcAft>
                       </a:pPr>
                       <a:r>
-                        <a:rPr lang="zh-TW" sz="1800" kern="100" dirty="0">
+                        <a:rPr lang="zh-TW" sz="2000" kern="100" dirty="0">
                           <a:effectLst/>
                         </a:rPr>
                         <a:t>記錄使用者曾經搜尋過的地點，使用者可以根據喜好決定開啟或關閉此功能。</a:t>
                       </a:r>
-                      <a:endParaRPr lang="zh-TW" sz="1800" kern="100" dirty="0">
+                      <a:endParaRPr lang="zh-TW" sz="2000" kern="100" dirty="0">
                         <a:effectLst/>
                         <a:latin typeface="Times New Roman" panose="02020603050405020304" pitchFamily="18" charset="0"/>
                         <a:ea typeface="新細明體" panose="02020500000000000000" pitchFamily="18" charset="-120"/>
@@ -7861,12 +7964,12 @@
                         </a:spcAft>
                       </a:pPr>
                       <a:r>
-                        <a:rPr lang="zh-TW" sz="1800" kern="100">
+                        <a:rPr lang="zh-TW" sz="2000" kern="100">
                           <a:effectLst/>
                         </a:rPr>
                         <a:t>曾經到過地點</a:t>
                       </a:r>
-                      <a:endParaRPr lang="zh-TW" sz="1800" kern="100">
+                      <a:endParaRPr lang="zh-TW" sz="2000" kern="100">
                         <a:effectLst/>
                         <a:latin typeface="Times New Roman" panose="02020603050405020304" pitchFamily="18" charset="0"/>
                         <a:ea typeface="新細明體" panose="02020500000000000000" pitchFamily="18" charset="-120"/>
@@ -7886,12 +7989,12 @@
                         </a:spcAft>
                       </a:pPr>
                       <a:r>
-                        <a:rPr lang="zh-TW" sz="1800" kern="100" dirty="0">
+                        <a:rPr lang="zh-TW" sz="2000" kern="100" dirty="0">
                           <a:effectLst/>
                         </a:rPr>
                         <a:t>記錄使用者曾經到過的地點，使用者可以根據喜好決定開啟或關閉此功能。</a:t>
                       </a:r>
-                      <a:endParaRPr lang="zh-TW" sz="1800" kern="100" dirty="0">
+                      <a:endParaRPr lang="zh-TW" sz="2000" kern="100" dirty="0">
                         <a:effectLst/>
                         <a:latin typeface="Times New Roman" panose="02020603050405020304" pitchFamily="18" charset="0"/>
                         <a:ea typeface="新細明體" panose="02020500000000000000" pitchFamily="18" charset="-120"/>
@@ -7918,12 +8021,12 @@
                         </a:spcAft>
                       </a:pPr>
                       <a:r>
-                        <a:rPr lang="zh-TW" sz="1800" kern="100">
+                        <a:rPr lang="zh-TW" sz="2000" kern="100">
                           <a:effectLst/>
                         </a:rPr>
                         <a:t>問題回報系統</a:t>
                       </a:r>
-                      <a:endParaRPr lang="zh-TW" sz="1800" kern="100">
+                      <a:endParaRPr lang="zh-TW" sz="2000" kern="100">
                         <a:effectLst/>
                         <a:latin typeface="Times New Roman" panose="02020603050405020304" pitchFamily="18" charset="0"/>
                         <a:ea typeface="新細明體" panose="02020500000000000000" pitchFamily="18" charset="-120"/>
@@ -7943,12 +8046,12 @@
                         </a:spcAft>
                       </a:pPr>
                       <a:r>
-                        <a:rPr lang="zh-TW" sz="1800" kern="100">
+                        <a:rPr lang="zh-TW" sz="2000" kern="100">
                           <a:effectLst/>
                         </a:rPr>
                         <a:t>回報問題</a:t>
                       </a:r>
-                      <a:endParaRPr lang="zh-TW" sz="1800" kern="100">
+                      <a:endParaRPr lang="zh-TW" sz="2000" kern="100">
                         <a:effectLst/>
                         <a:latin typeface="Times New Roman" panose="02020603050405020304" pitchFamily="18" charset="0"/>
                         <a:ea typeface="新細明體" panose="02020500000000000000" pitchFamily="18" charset="-120"/>
@@ -7968,24 +8071,24 @@
                         </a:spcAft>
                       </a:pPr>
                       <a:r>
-                        <a:rPr lang="zh-TW" sz="1800" kern="100" dirty="0">
+                        <a:rPr lang="zh-TW" sz="2000" kern="100" dirty="0">
                           <a:effectLst/>
                         </a:rPr>
                         <a:t>使用者在使用</a:t>
                       </a:r>
                       <a:r>
-                        <a:rPr lang="en-US" sz="1800" kern="100" dirty="0">
+                        <a:rPr lang="en-US" sz="2000" kern="100" dirty="0">
                           <a:effectLst/>
                         </a:rPr>
                         <a:t>APP</a:t>
                       </a:r>
                       <a:r>
-                        <a:rPr lang="zh-TW" sz="1800" kern="100" dirty="0">
+                        <a:rPr lang="zh-TW" sz="2000" kern="100" dirty="0">
                           <a:effectLst/>
                         </a:rPr>
                         <a:t>時，若有發現任何問題可以透過問題回報系統告知開發人員。</a:t>
                       </a:r>
-                      <a:endParaRPr lang="zh-TW" sz="1800" kern="100" dirty="0">
+                      <a:endParaRPr lang="zh-TW" sz="2000" kern="100" dirty="0">
                         <a:effectLst/>
                         <a:latin typeface="Times New Roman" panose="02020603050405020304" pitchFamily="18" charset="0"/>
                         <a:ea typeface="新細明體" panose="02020500000000000000" pitchFamily="18" charset="-120"/>

--- a/軟工期中v2.pptx
+++ b/軟工期中v2.pptx
@@ -6131,7 +6131,7 @@
         <p:spPr>
           <a:xfrm>
             <a:off x="677334" y="1840993"/>
-            <a:ext cx="8596668" cy="3880773"/>
+            <a:ext cx="9603008" cy="4684094"/>
           </a:xfrm>
         </p:spPr>
         <p:txBody>
@@ -6363,6 +6363,24 @@
               <a:rPr lang="en-US" altLang="zh-TW" sz="2600" b="1" dirty="0">
                 <a:latin typeface="+mj-ea"/>
                 <a:ea typeface="+mj-ea"/>
+              </a:rPr>
+              <a:t>、</a:t>
+            </a:r>
+            <a:r>
+              <a:rPr lang="en-US" altLang="zh-TW" sz="2600" b="1" dirty="0">
+                <a:latin typeface="+mj-ea"/>
+              </a:rPr>
+              <a:t> </a:t>
+            </a:r>
+            <a:r>
+              <a:rPr lang="zh-TW" altLang="en-US" sz="2600" b="1">
+                <a:latin typeface="+mj-ea"/>
+              </a:rPr>
+              <a:t>地圖建構</a:t>
+            </a:r>
+            <a:r>
+              <a:rPr lang="en-US" altLang="zh-TW" sz="2600" b="1">
+                <a:latin typeface="+mj-ea"/>
               </a:rPr>
               <a:t>、</a:t>
             </a:r>

--- a/軟工期中v2.pptx
+++ b/軟工期中v2.pptx
@@ -6449,6 +6449,10 @@
           <a:bodyPr/>
           <a:lstStyle/>
           <a:p>
+            <a:r>
+              <a:rPr lang="en-US" altLang="zh-TW"/>
+              <a:t>schedule</a:t>
+            </a:r>
             <a:endParaRPr lang="zh-TW" altLang="en-US" dirty="0"/>
           </a:p>
         </p:txBody>
